--- a/poster/poster_draft.pptx
+++ b/poster/poster_draft.pptx
@@ -277,7 +277,7 @@
             <a:tailEnd/>
           </a:ln>
           <a:extLst>
-            <a:ext uri="{909E8E84-426E-40DD-AFC4-6F175D3DCCD1}">
+            <a:ext uri="{909E8E84-426E-40dd-AFC4-6F175D3DCCD1}">
               <a14:hiddenFill xmlns:a14="http://schemas.microsoft.com/office/drawing/2010/main">
                 <a:solidFill>
                   <a:srgbClr val="FFFFFF"/>
@@ -610,14 +610,14 @@
           <a:noFill/>
           <a:ln/>
           <a:extLst>
-            <a:ext uri="{909E8E84-426E-40DD-AFC4-6F175D3DCCD1}">
+            <a:ext uri="{909E8E84-426E-40dd-AFC4-6F175D3DCCD1}">
               <a14:hiddenFill xmlns:a14="http://schemas.microsoft.com/office/drawing/2010/main">
                 <a:solidFill>
                   <a:srgbClr val="FFFFFF"/>
                 </a:solidFill>
               </a14:hiddenFill>
             </a:ext>
-            <a:ext uri="{91240B29-F687-4F45-9708-019B960494DF}">
+            <a:ext uri="{91240B29-F687-4f45-9708-019B960494DF}">
               <a14:hiddenLine xmlns:a14="http://schemas.microsoft.com/office/drawing/2010/main" w="9525">
                 <a:solidFill>
                   <a:srgbClr val="000000"/>
@@ -776,14 +776,14 @@
           <a:noFill/>
           <a:ln/>
           <a:extLst>
-            <a:ext uri="{909E8E84-426E-40DD-AFC4-6F175D3DCCD1}">
+            <a:ext uri="{909E8E84-426E-40dd-AFC4-6F175D3DCCD1}">
               <a14:hiddenFill xmlns:a14="http://schemas.microsoft.com/office/drawing/2010/main">
                 <a:solidFill>
                   <a:srgbClr val="FFFFFF"/>
                 </a:solidFill>
               </a14:hiddenFill>
             </a:ext>
-            <a:ext uri="{91240B29-F687-4F45-9708-019B960494DF}">
+            <a:ext uri="{91240B29-F687-4f45-9708-019B960494DF}">
               <a14:hiddenLine xmlns:a14="http://schemas.microsoft.com/office/drawing/2010/main" w="9525">
                 <a:solidFill>
                   <a:srgbClr val="000000"/>
@@ -3381,14 +3381,14 @@
             <a:noFill/>
           </a:ln>
           <a:extLst>
-            <a:ext uri="{909E8E84-426E-40DD-AFC4-6F175D3DCCD1}">
+            <a:ext uri="{909E8E84-426E-40dd-AFC4-6F175D3DCCD1}">
               <a14:hiddenFill xmlns:a14="http://schemas.microsoft.com/office/drawing/2010/main">
                 <a:solidFill>
                   <a:srgbClr val="FFFFFF"/>
                 </a:solidFill>
               </a14:hiddenFill>
             </a:ext>
-            <a:ext uri="{91240B29-F687-4F45-9708-019B960494DF}">
+            <a:ext uri="{91240B29-F687-4f45-9708-019B960494DF}">
               <a14:hiddenLine xmlns:a14="http://schemas.microsoft.com/office/drawing/2010/main" w="9525">
                 <a:solidFill>
                   <a:srgbClr val="000000"/>
@@ -3439,14 +3439,14 @@
             <a:noFill/>
           </a:ln>
           <a:extLst>
-            <a:ext uri="{909E8E84-426E-40DD-AFC4-6F175D3DCCD1}">
+            <a:ext uri="{909E8E84-426E-40dd-AFC4-6F175D3DCCD1}">
               <a14:hiddenFill xmlns:a14="http://schemas.microsoft.com/office/drawing/2010/main">
                 <a:solidFill>
                   <a:srgbClr val="FFFFFF"/>
                 </a:solidFill>
               </a14:hiddenFill>
             </a:ext>
-            <a:ext uri="{91240B29-F687-4F45-9708-019B960494DF}">
+            <a:ext uri="{91240B29-F687-4f45-9708-019B960494DF}">
               <a14:hiddenLine xmlns:a14="http://schemas.microsoft.com/office/drawing/2010/main" w="9525">
                 <a:solidFill>
                   <a:srgbClr val="000000"/>
@@ -4734,14 +4734,14 @@
             <a:noFill/>
           </a:ln>
           <a:extLst>
-            <a:ext uri="{909E8E84-426E-40DD-AFC4-6F175D3DCCD1}">
+            <a:ext uri="{909E8E84-426E-40dd-AFC4-6F175D3DCCD1}">
               <a14:hiddenFill xmlns:a14="http://schemas.microsoft.com/office/drawing/2010/main">
                 <a:solidFill>
                   <a:srgbClr val="FFFFFF"/>
                 </a:solidFill>
               </a14:hiddenFill>
             </a:ext>
-            <a:ext uri="{91240B29-F687-4F45-9708-019B960494DF}">
+            <a:ext uri="{91240B29-F687-4f45-9708-019B960494DF}">
               <a14:hiddenLine xmlns:a14="http://schemas.microsoft.com/office/drawing/2010/main" w="9525">
                 <a:solidFill>
                   <a:srgbClr val="000000"/>
@@ -5084,7 +5084,39 @@
                 </a:effectLst>
                 <a:latin typeface="Calibri" pitchFamily="34" charset="0"/>
               </a:rPr>
-              <a:t>Carnegie Mellon University   (Authors are listed in alphabetic order.)    </a:t>
+              <a:t>Carnegie Mellon University   (Authors are listed in </a:t>
+            </a:r>
+            <a:r>
+              <a:rPr lang="en-US" altLang="zh-CN" sz="4000" b="1" dirty="0" smtClean="0">
+                <a:solidFill>
+                  <a:schemeClr val="tx2"/>
+                </a:solidFill>
+                <a:effectLst>
+                  <a:outerShdw blurRad="38100" dist="38100" dir="2700000" algn="tl">
+                    <a:srgbClr val="000000">
+                      <a:alpha val="43137"/>
+                    </a:srgbClr>
+                  </a:outerShdw>
+                </a:effectLst>
+                <a:latin typeface="Calibri" pitchFamily="34" charset="0"/>
+              </a:rPr>
+              <a:t>alphabetical </a:t>
+            </a:r>
+            <a:r>
+              <a:rPr lang="en-US" altLang="zh-CN" sz="4000" b="1" dirty="0" smtClean="0">
+                <a:solidFill>
+                  <a:schemeClr val="tx2"/>
+                </a:solidFill>
+                <a:effectLst>
+                  <a:outerShdw blurRad="38100" dist="38100" dir="2700000" algn="tl">
+                    <a:srgbClr val="000000">
+                      <a:alpha val="43137"/>
+                    </a:srgbClr>
+                  </a:outerShdw>
+                </a:effectLst>
+                <a:latin typeface="Calibri" pitchFamily="34" charset="0"/>
+              </a:rPr>
+              <a:t>order.)    </a:t>
             </a:r>
             <a:endParaRPr lang="en-US" altLang="zh-CN" sz="4000" b="1" dirty="0">
               <a:solidFill>
@@ -5269,14 +5301,14 @@
             <a:noFill/>
           </a:ln>
           <a:extLst>
-            <a:ext uri="{909E8E84-426E-40DD-AFC4-6F175D3DCCD1}">
+            <a:ext uri="{909E8E84-426E-40dd-AFC4-6F175D3DCCD1}">
               <a14:hiddenFill xmlns:a14="http://schemas.microsoft.com/office/drawing/2010/main">
                 <a:solidFill>
                   <a:srgbClr val="FFFFFF"/>
                 </a:solidFill>
               </a14:hiddenFill>
             </a:ext>
-            <a:ext uri="{91240B29-F687-4F45-9708-019B960494DF}">
+            <a:ext uri="{91240B29-F687-4f45-9708-019B960494DF}">
               <a14:hiddenLine xmlns:a14="http://schemas.microsoft.com/office/drawing/2010/main" w="9525">
                 <a:solidFill>
                   <a:srgbClr val="000000"/>
@@ -6222,14 +6254,14 @@
             <a:noFill/>
           </a:ln>
           <a:extLst>
-            <a:ext uri="{909E8E84-426E-40DD-AFC4-6F175D3DCCD1}">
+            <a:ext uri="{909E8E84-426E-40dd-AFC4-6F175D3DCCD1}">
               <a14:hiddenFill xmlns:a14="http://schemas.microsoft.com/office/drawing/2010/main">
                 <a:solidFill>
                   <a:srgbClr val="FFFFFF"/>
                 </a:solidFill>
               </a14:hiddenFill>
             </a:ext>
-            <a:ext uri="{91240B29-F687-4F45-9708-019B960494DF}">
+            <a:ext uri="{91240B29-F687-4f45-9708-019B960494DF}">
               <a14:hiddenLine xmlns:a14="http://schemas.microsoft.com/office/drawing/2010/main" w="9525">
                 <a:solidFill>
                   <a:srgbClr val="000000"/>
@@ -6405,14 +6437,14 @@
             <a:noFill/>
           </a:ln>
           <a:extLst>
-            <a:ext uri="{909E8E84-426E-40DD-AFC4-6F175D3DCCD1}">
+            <a:ext uri="{909E8E84-426E-40dd-AFC4-6F175D3DCCD1}">
               <a14:hiddenFill xmlns:a14="http://schemas.microsoft.com/office/drawing/2010/main">
                 <a:solidFill>
                   <a:srgbClr val="FFFFFF"/>
                 </a:solidFill>
               </a14:hiddenFill>
             </a:ext>
-            <a:ext uri="{91240B29-F687-4F45-9708-019B960494DF}">
+            <a:ext uri="{91240B29-F687-4f45-9708-019B960494DF}">
               <a14:hiddenLine xmlns:a14="http://schemas.microsoft.com/office/drawing/2010/main" w="9525">
                 <a:solidFill>
                   <a:srgbClr val="000000"/>
@@ -6629,21 +6661,7 @@
                 <a:latin typeface="Trebuchet MS" panose="020B0603020202020204" pitchFamily="34" charset="0"/>
                 <a:ea typeface="PMingLiU" pitchFamily="18" charset="-120"/>
               </a:rPr>
-              <a:t> predictive modeling competition</a:t>
-            </a:r>
-            <a:r>
-              <a:rPr lang="en-US" altLang="zh-TW" sz="4400" dirty="0" smtClean="0">
-                <a:effectLst>
-                  <a:outerShdw blurRad="38100" dist="38100" dir="2700000" algn="tl">
-                    <a:srgbClr val="000000">
-                      <a:alpha val="43137"/>
-                    </a:srgbClr>
-                  </a:outerShdw>
-                </a:effectLst>
-                <a:latin typeface="Trebuchet MS" panose="020B0603020202020204" pitchFamily="34" charset="0"/>
-                <a:ea typeface="PMingLiU" pitchFamily="18" charset="-120"/>
-              </a:rPr>
-              <a:t>.  </a:t>
+              <a:t> predictive modeling competition.  </a:t>
             </a:r>
             <a:endParaRPr lang="en-US" altLang="zh-TW" sz="4400" dirty="0">
               <a:effectLst>
@@ -6670,7 +6688,7 @@
         <p:spPr bwMode="auto">
           <a:xfrm>
             <a:off x="14173200" y="5810369"/>
-            <a:ext cx="12573000" cy="9048631"/>
+            <a:ext cx="12573000" cy="11264621"/>
           </a:xfrm>
           <a:prstGeom prst="rect">
             <a:avLst/>
@@ -6680,14 +6698,14 @@
             <a:noFill/>
           </a:ln>
           <a:extLst>
-            <a:ext uri="{909E8E84-426E-40DD-AFC4-6F175D3DCCD1}">
+            <a:ext uri="{909E8E84-426E-40dd-AFC4-6F175D3DCCD1}">
               <a14:hiddenFill xmlns:a14="http://schemas.microsoft.com/office/drawing/2010/main">
                 <a:solidFill>
                   <a:srgbClr val="FFFFFF"/>
                 </a:solidFill>
               </a14:hiddenFill>
             </a:ext>
-            <a:ext uri="{91240B29-F687-4F45-9708-019B960494DF}">
+            <a:ext uri="{91240B29-F687-4f45-9708-019B960494DF}">
               <a14:hiddenLine xmlns:a14="http://schemas.microsoft.com/office/drawing/2010/main" w="9525">
                 <a:solidFill>
                   <a:srgbClr val="000000"/>
@@ -6812,7 +6830,7 @@
           </a:lstStyle>
           <a:p>
             <a:r>
-              <a:rPr lang="en-US" altLang="zh-TW" sz="6600" b="1" dirty="0">
+              <a:rPr lang="en-US" altLang="zh-TW" sz="6600" b="1" dirty="0" smtClean="0">
                 <a:solidFill>
                   <a:srgbClr val="C00000"/>
                 </a:solidFill>
@@ -6831,10 +6849,7 @@
             </a:r>
           </a:p>
           <a:p>
-            <a:endParaRPr lang="en-US" altLang="zh-TW" sz="3600" b="1" dirty="0">
-              <a:solidFill>
-                <a:schemeClr val="accent2"/>
-              </a:solidFill>
+            <a:endParaRPr lang="en-US" altLang="zh-TW" sz="800" dirty="0">
               <a:effectLst>
                 <a:outerShdw blurRad="38100" dist="38100" dir="2700000" algn="tl">
                   <a:srgbClr val="000000">
@@ -6853,46 +6868,7 @@
               <a:buChar char="•"/>
             </a:pPr>
             <a:r>
-              <a:rPr lang="en-US" altLang="zh-TW" sz="4800" dirty="0" smtClean="0">
-                <a:effectLst>
-                  <a:outerShdw blurRad="38100" dist="38100" dir="2700000" algn="tl">
-                    <a:srgbClr val="000000">
-                      <a:alpha val="43137"/>
-                    </a:srgbClr>
-                  </a:outerShdw>
-                </a:effectLst>
-                <a:latin typeface="Trebuchet MS" panose="020B0603020202020204" pitchFamily="34" charset="0"/>
-                <a:ea typeface="PMingLiU" pitchFamily="18" charset="-120"/>
-                <a:cs typeface="Calibri" pitchFamily="34" charset="0"/>
-              </a:rPr>
-              <a:t>Raw data</a:t>
-            </a:r>
-          </a:p>
-          <a:p>
-            <a:pPr>
-              <a:buFont typeface="Arial" charset="0"/>
-              <a:buChar char="•"/>
-            </a:pPr>
-            <a:endParaRPr lang="en-US" altLang="zh-TW" sz="4800" dirty="0">
-              <a:effectLst>
-                <a:outerShdw blurRad="38100" dist="38100" dir="2700000" algn="tl">
-                  <a:srgbClr val="000000">
-                    <a:alpha val="43137"/>
-                  </a:srgbClr>
-                </a:outerShdw>
-              </a:effectLst>
-              <a:latin typeface="Trebuchet MS" panose="020B0603020202020204" pitchFamily="34" charset="0"/>
-              <a:ea typeface="PMingLiU" pitchFamily="18" charset="-120"/>
-              <a:cs typeface="Calibri" pitchFamily="34" charset="0"/>
-            </a:endParaRPr>
-          </a:p>
-          <a:p>
-            <a:pPr>
-              <a:buFont typeface="Arial" charset="0"/>
-              <a:buChar char="•"/>
-            </a:pPr>
-            <a:r>
-              <a:rPr lang="en-US" altLang="zh-TW" sz="4800" dirty="0" smtClean="0">
+              <a:rPr lang="en-US" altLang="zh-TW" sz="4700" dirty="0" smtClean="0">
                 <a:effectLst>
                   <a:outerShdw blurRad="38100" dist="38100" dir="2700000" algn="tl">
                     <a:srgbClr val="000000">
@@ -6906,7 +6882,7 @@
               </a:rPr>
               <a:t>Preprocess</a:t>
             </a:r>
-            <a:endParaRPr lang="en-US" altLang="zh-TW" sz="4800" dirty="0">
+            <a:endParaRPr lang="en-US" altLang="zh-TW" sz="4700" dirty="0">
               <a:effectLst>
                 <a:outerShdw blurRad="38100" dist="38100" dir="2700000" algn="tl">
                   <a:srgbClr val="000000">
@@ -6924,7 +6900,70 @@
               <a:buFont typeface="Arial" charset="0"/>
               <a:buChar char="•"/>
             </a:pPr>
-            <a:endParaRPr lang="en-US" altLang="zh-TW" sz="4800" dirty="0">
+            <a:r>
+              <a:rPr lang="en-US" altLang="zh-TW" sz="4300" dirty="0" smtClean="0">
+                <a:effectLst>
+                  <a:outerShdw blurRad="38100" dist="38100" dir="2700000" algn="tl">
+                    <a:srgbClr val="000000">
+                      <a:alpha val="43137"/>
+                    </a:srgbClr>
+                  </a:outerShdw>
+                </a:effectLst>
+                <a:latin typeface="Trebuchet MS" panose="020B0603020202020204" pitchFamily="34" charset="0"/>
+                <a:ea typeface="PMingLiU" pitchFamily="18" charset="-120"/>
+                <a:cs typeface="Calibri" pitchFamily="34" charset="0"/>
+              </a:rPr>
+              <a:t>Segmentation</a:t>
+            </a:r>
+          </a:p>
+          <a:p>
+            <a:pPr marL="1463040" lvl="2" indent="0"/>
+            <a:r>
+              <a:rPr lang="en-US" altLang="zh-TW" sz="4000" dirty="0">
+                <a:effectLst>
+                  <a:outerShdw blurRad="38100" dist="38100" dir="2700000" algn="tl">
+                    <a:srgbClr val="000000">
+                      <a:alpha val="43137"/>
+                    </a:srgbClr>
+                  </a:outerShdw>
+                </a:effectLst>
+                <a:latin typeface="Trebuchet MS" panose="020B0603020202020204" pitchFamily="34" charset="0"/>
+                <a:ea typeface="PMingLiU" pitchFamily="18" charset="-120"/>
+                <a:cs typeface="Calibri" pitchFamily="34" charset="0"/>
+              </a:rPr>
+              <a:t>A</a:t>
+            </a:r>
+            <a:r>
+              <a:rPr lang="en-US" altLang="zh-TW" sz="4000" dirty="0" smtClean="0">
+                <a:effectLst>
+                  <a:outerShdw blurRad="38100" dist="38100" dir="2700000" algn="tl">
+                    <a:srgbClr val="000000">
+                      <a:alpha val="43137"/>
+                    </a:srgbClr>
+                  </a:outerShdw>
+                </a:effectLst>
+                <a:latin typeface="Trebuchet MS" panose="020B0603020202020204" pitchFamily="34" charset="0"/>
+                <a:ea typeface="PMingLiU" pitchFamily="18" charset="-120"/>
+                <a:cs typeface="Calibri" pitchFamily="34" charset="0"/>
+              </a:rPr>
+              <a:t>djacent s</a:t>
+            </a:r>
+            <a:r>
+              <a:rPr lang="en-US" altLang="zh-TW" sz="4000" dirty="0" smtClean="0">
+                <a:effectLst>
+                  <a:outerShdw blurRad="38100" dist="38100" dir="2700000" algn="tl">
+                    <a:srgbClr val="000000">
+                      <a:alpha val="43137"/>
+                    </a:srgbClr>
+                  </a:outerShdw>
+                </a:effectLst>
+                <a:latin typeface="Trebuchet MS" panose="020B0603020202020204" pitchFamily="34" charset="0"/>
+                <a:ea typeface="PMingLiU" pitchFamily="18" charset="-120"/>
+                <a:cs typeface="Calibri" pitchFamily="34" charset="0"/>
+              </a:rPr>
+              <a:t>ample points</a:t>
+            </a:r>
+            <a:endParaRPr lang="en-US" altLang="zh-TW" sz="4000" dirty="0">
               <a:effectLst>
                 <a:outerShdw blurRad="38100" dist="38100" dir="2700000" algn="tl">
                   <a:srgbClr val="000000">
@@ -6938,11 +6977,23 @@
             </a:endParaRPr>
           </a:p>
           <a:p>
-            <a:pPr lvl="2">
-              <a:buFont typeface="Arial" charset="0"/>
-              <a:buChar char="•"/>
-            </a:pPr>
-            <a:endParaRPr lang="en-US" altLang="zh-TW" sz="4800" dirty="0">
+            <a:pPr marL="1463040" lvl="2" indent="0"/>
+            <a:r>
+              <a:rPr lang="en-US" altLang="zh-TW" sz="4000" dirty="0" smtClean="0">
+                <a:effectLst>
+                  <a:outerShdw blurRad="38100" dist="38100" dir="2700000" algn="tl">
+                    <a:srgbClr val="000000">
+                      <a:alpha val="43137"/>
+                    </a:srgbClr>
+                  </a:outerShdw>
+                </a:effectLst>
+                <a:latin typeface="Trebuchet MS" panose="020B0603020202020204" pitchFamily="34" charset="0"/>
+                <a:ea typeface="PMingLiU" pitchFamily="18" charset="-120"/>
+                <a:cs typeface="Calibri" pitchFamily="34" charset="0"/>
+              </a:rPr>
+              <a:t>with time difference</a:t>
+            </a:r>
+            <a:endParaRPr lang="en-US" altLang="zh-TW" sz="4000" dirty="0">
               <a:effectLst>
                 <a:outerShdw blurRad="38100" dist="38100" dir="2700000" algn="tl">
                   <a:srgbClr val="000000">
@@ -6956,8 +7007,23 @@
             </a:endParaRPr>
           </a:p>
           <a:p>
-            <a:pPr marL="685800" lvl="2" indent="0"/>
-            <a:endParaRPr lang="en-US" altLang="zh-TW" sz="4800" dirty="0">
+            <a:pPr marL="1463040" lvl="2" indent="0"/>
+            <a:r>
+              <a:rPr lang="en-US" altLang="zh-TW" sz="4000" dirty="0" smtClean="0">
+                <a:effectLst>
+                  <a:outerShdw blurRad="38100" dist="38100" dir="2700000" algn="tl">
+                    <a:srgbClr val="000000">
+                      <a:alpha val="43137"/>
+                    </a:srgbClr>
+                  </a:outerShdw>
+                </a:effectLst>
+                <a:latin typeface="Trebuchet MS" panose="020B0603020202020204" pitchFamily="34" charset="0"/>
+                <a:ea typeface="PMingLiU" pitchFamily="18" charset="-120"/>
+                <a:cs typeface="Calibri" pitchFamily="34" charset="0"/>
+              </a:rPr>
+              <a:t>larger than 10s are segmented</a:t>
+            </a:r>
+            <a:endParaRPr lang="en-US" altLang="zh-TW" sz="4400" dirty="0" smtClean="0">
               <a:effectLst>
                 <a:outerShdw blurRad="38100" dist="38100" dir="2700000" algn="tl">
                   <a:srgbClr val="000000">
@@ -6975,7 +7041,76 @@
               <a:buFont typeface="Arial" charset="0"/>
               <a:buChar char="•"/>
             </a:pPr>
-            <a:endParaRPr lang="en-US" altLang="zh-TW" sz="4800" dirty="0">
+            <a:r>
+              <a:rPr lang="en-US" altLang="zh-TW" sz="4300" dirty="0">
+                <a:effectLst>
+                  <a:outerShdw blurRad="38100" dist="38100" dir="2700000" algn="tl">
+                    <a:srgbClr val="000000">
+                      <a:alpha val="43137"/>
+                    </a:srgbClr>
+                  </a:outerShdw>
+                </a:effectLst>
+                <a:latin typeface="Trebuchet MS" panose="020B0603020202020204" pitchFamily="34" charset="0"/>
+                <a:ea typeface="PMingLiU" pitchFamily="18" charset="-120"/>
+                <a:cs typeface="Calibri" pitchFamily="34" charset="0"/>
+              </a:rPr>
+              <a:t>Re-sampling</a:t>
+            </a:r>
+          </a:p>
+          <a:p>
+            <a:pPr marL="1463040" lvl="2" indent="0"/>
+            <a:r>
+              <a:rPr lang="en-US" altLang="zh-TW" sz="4000" dirty="0">
+                <a:effectLst>
+                  <a:outerShdw blurRad="38100" dist="38100" dir="2700000" algn="tl">
+                    <a:srgbClr val="000000">
+                      <a:alpha val="43137"/>
+                    </a:srgbClr>
+                  </a:outerShdw>
+                </a:effectLst>
+                <a:latin typeface="Trebuchet MS" panose="020B0603020202020204" pitchFamily="34" charset="0"/>
+                <a:ea typeface="PMingLiU" pitchFamily="18" charset="-120"/>
+                <a:cs typeface="Calibri" pitchFamily="34" charset="0"/>
+              </a:rPr>
+              <a:t>Uniformly re-sampling each sequence with fixed time </a:t>
+            </a:r>
+            <a:r>
+              <a:rPr lang="en-US" altLang="zh-TW" sz="4000" dirty="0" smtClean="0">
+                <a:effectLst>
+                  <a:outerShdw blurRad="38100" dist="38100" dir="2700000" algn="tl">
+                    <a:srgbClr val="000000">
+                      <a:alpha val="43137"/>
+                    </a:srgbClr>
+                  </a:outerShdw>
+                </a:effectLst>
+                <a:latin typeface="Trebuchet MS" panose="020B0603020202020204" pitchFamily="34" charset="0"/>
+                <a:ea typeface="PMingLiU" pitchFamily="18" charset="-120"/>
+                <a:cs typeface="Calibri" pitchFamily="34" charset="0"/>
+              </a:rPr>
+              <a:t>interval</a:t>
+            </a:r>
+          </a:p>
+          <a:p>
+            <a:pPr marL="457200" lvl="2" indent="-457200">
+              <a:buFont typeface="Arial" charset="0"/>
+              <a:buChar char="•"/>
+            </a:pPr>
+            <a:r>
+              <a:rPr lang="en-US" altLang="zh-TW" sz="4700" dirty="0">
+                <a:effectLst>
+                  <a:outerShdw blurRad="38100" dist="38100" dir="2700000" algn="tl">
+                    <a:srgbClr val="000000">
+                      <a:alpha val="43137"/>
+                    </a:srgbClr>
+                  </a:outerShdw>
+                </a:effectLst>
+                <a:latin typeface="Trebuchet MS" panose="020B0603020202020204" pitchFamily="34" charset="0"/>
+                <a:ea typeface="PMingLiU" pitchFamily="18" charset="-120"/>
+                <a:cs typeface="Calibri" pitchFamily="34" charset="0"/>
+              </a:rPr>
+              <a:t>Features</a:t>
+            </a:r>
+            <a:endParaRPr lang="en-US" altLang="zh-TW" sz="4700" dirty="0">
               <a:effectLst>
                 <a:outerShdw blurRad="38100" dist="38100" dir="2700000" algn="tl">
                   <a:srgbClr val="000000">
@@ -6993,7 +7128,37 @@
               <a:buFont typeface="Arial" charset="0"/>
               <a:buChar char="•"/>
             </a:pPr>
-            <a:endParaRPr lang="en-US" altLang="zh-TW" sz="4800" dirty="0">
+            <a:r>
+              <a:rPr lang="en-US" altLang="zh-TW" sz="4300" dirty="0">
+                <a:effectLst>
+                  <a:outerShdw blurRad="38100" dist="38100" dir="2700000" algn="tl">
+                    <a:srgbClr val="000000">
+                      <a:alpha val="43137"/>
+                    </a:srgbClr>
+                  </a:outerShdw>
+                </a:effectLst>
+                <a:latin typeface="Trebuchet MS" panose="020B0603020202020204" pitchFamily="34" charset="0"/>
+                <a:ea typeface="PMingLiU" pitchFamily="18" charset="-120"/>
+                <a:cs typeface="Calibri" pitchFamily="34" charset="0"/>
+              </a:rPr>
+              <a:t>Frequency domain </a:t>
+            </a:r>
+            <a:r>
+              <a:rPr lang="en-US" altLang="zh-TW" sz="4300" dirty="0" smtClean="0">
+                <a:effectLst>
+                  <a:outerShdw blurRad="38100" dist="38100" dir="2700000" algn="tl">
+                    <a:srgbClr val="000000">
+                      <a:alpha val="43137"/>
+                    </a:srgbClr>
+                  </a:outerShdw>
+                </a:effectLst>
+                <a:latin typeface="Trebuchet MS" panose="020B0603020202020204" pitchFamily="34" charset="0"/>
+                <a:ea typeface="PMingLiU" pitchFamily="18" charset="-120"/>
+                <a:cs typeface="Calibri" pitchFamily="34" charset="0"/>
+              </a:rPr>
+              <a:t>features (FFT)</a:t>
+            </a:r>
+            <a:endParaRPr lang="en-US" altLang="zh-TW" sz="4300" dirty="0">
               <a:effectLst>
                 <a:outerShdw blurRad="38100" dist="38100" dir="2700000" algn="tl">
                   <a:srgbClr val="000000">
@@ -7011,7 +7176,22 @@
               <a:buFont typeface="Arial" charset="0"/>
               <a:buChar char="•"/>
             </a:pPr>
-            <a:endParaRPr lang="en-US" altLang="zh-TW" sz="4800" dirty="0">
+            <a:r>
+              <a:rPr lang="en-US" altLang="zh-TW" sz="4300" dirty="0">
+                <a:effectLst>
+                  <a:outerShdw blurRad="38100" dist="38100" dir="2700000" algn="tl">
+                    <a:srgbClr val="000000">
+                      <a:alpha val="43137"/>
+                    </a:srgbClr>
+                  </a:outerShdw>
+                </a:effectLst>
+                <a:latin typeface="Trebuchet MS" panose="020B0603020202020204" pitchFamily="34" charset="0"/>
+                <a:ea typeface="PMingLiU" pitchFamily="18" charset="-120"/>
+                <a:cs typeface="Calibri" pitchFamily="34" charset="0"/>
+              </a:rPr>
+              <a:t>Statistic features</a:t>
+            </a:r>
+            <a:endParaRPr lang="en-US" altLang="zh-TW" sz="4300" dirty="0">
               <a:effectLst>
                 <a:outerShdw blurRad="38100" dist="38100" dir="2700000" algn="tl">
                   <a:srgbClr val="000000">
@@ -7025,12 +7205,12 @@
             </a:endParaRPr>
           </a:p>
           <a:p>
-            <a:pPr>
+            <a:pPr marL="457200" lvl="2" indent="-457200">
               <a:buFont typeface="Arial" charset="0"/>
               <a:buChar char="•"/>
             </a:pPr>
             <a:r>
-              <a:rPr lang="en-US" altLang="zh-TW" sz="4800" dirty="0" smtClean="0">
+              <a:rPr lang="en-US" altLang="zh-TW" sz="4700" dirty="0">
                 <a:effectLst>
                   <a:outerShdw blurRad="38100" dist="38100" dir="2700000" algn="tl">
                     <a:srgbClr val="000000">
@@ -7042,20 +7222,116 @@
                 <a:ea typeface="PMingLiU" pitchFamily="18" charset="-120"/>
                 <a:cs typeface="Calibri" pitchFamily="34" charset="0"/>
               </a:rPr>
-              <a:t>Classifier</a:t>
-            </a:r>
-            <a:endParaRPr lang="en-US" altLang="zh-TW" sz="4800" dirty="0">
-              <a:effectLst>
-                <a:outerShdw blurRad="38100" dist="38100" dir="2700000" algn="tl">
-                  <a:srgbClr val="000000">
-                    <a:alpha val="43137"/>
-                  </a:srgbClr>
-                </a:outerShdw>
-              </a:effectLst>
-              <a:latin typeface="Trebuchet MS" panose="020B0603020202020204" pitchFamily="34" charset="0"/>
-              <a:ea typeface="PMingLiU" pitchFamily="18" charset="-120"/>
-              <a:cs typeface="Calibri" pitchFamily="34" charset="0"/>
-            </a:endParaRPr>
+              <a:t>Classifiers</a:t>
+            </a:r>
+          </a:p>
+          <a:p>
+            <a:pPr lvl="2">
+              <a:buFont typeface="Arial" charset="0"/>
+              <a:buChar char="•"/>
+            </a:pPr>
+            <a:r>
+              <a:rPr lang="en-US" altLang="zh-TW" sz="4300" dirty="0">
+                <a:effectLst>
+                  <a:outerShdw blurRad="38100" dist="38100" dir="2700000" algn="tl">
+                    <a:srgbClr val="000000">
+                      <a:alpha val="43137"/>
+                    </a:srgbClr>
+                  </a:outerShdw>
+                </a:effectLst>
+                <a:latin typeface="Trebuchet MS" panose="020B0603020202020204" pitchFamily="34" charset="0"/>
+                <a:ea typeface="PMingLiU" pitchFamily="18" charset="-120"/>
+                <a:cs typeface="Calibri" pitchFamily="34" charset="0"/>
+              </a:rPr>
+              <a:t>k-</a:t>
+            </a:r>
+            <a:r>
+              <a:rPr lang="en-US" altLang="zh-TW" sz="4300" dirty="0">
+                <a:effectLst>
+                  <a:outerShdw blurRad="38100" dist="38100" dir="2700000" algn="tl">
+                    <a:srgbClr val="000000">
+                      <a:alpha val="43137"/>
+                    </a:srgbClr>
+                  </a:outerShdw>
+                </a:effectLst>
+                <a:latin typeface="Trebuchet MS" panose="020B0603020202020204" pitchFamily="34" charset="0"/>
+                <a:ea typeface="PMingLiU" pitchFamily="18" charset="-120"/>
+                <a:cs typeface="Calibri" pitchFamily="34" charset="0"/>
+              </a:rPr>
+              <a:t>NN</a:t>
+            </a:r>
+          </a:p>
+          <a:p>
+            <a:pPr lvl="2">
+              <a:buFont typeface="Arial" charset="0"/>
+              <a:buChar char="•"/>
+            </a:pPr>
+            <a:r>
+              <a:rPr lang="en-US" altLang="zh-TW" sz="4300" dirty="0">
+                <a:effectLst>
+                  <a:outerShdw blurRad="38100" dist="38100" dir="2700000" algn="tl">
+                    <a:srgbClr val="000000">
+                      <a:alpha val="43137"/>
+                    </a:srgbClr>
+                  </a:outerShdw>
+                </a:effectLst>
+                <a:latin typeface="Trebuchet MS" panose="020B0603020202020204" pitchFamily="34" charset="0"/>
+                <a:ea typeface="PMingLiU" pitchFamily="18" charset="-120"/>
+                <a:cs typeface="Calibri" pitchFamily="34" charset="0"/>
+              </a:rPr>
+              <a:t>SVM with RBF kernel</a:t>
+            </a:r>
+          </a:p>
+          <a:p>
+            <a:pPr lvl="2">
+              <a:buFont typeface="Arial" charset="0"/>
+              <a:buChar char="•"/>
+            </a:pPr>
+            <a:r>
+              <a:rPr lang="en-US" altLang="zh-TW" sz="4300" dirty="0">
+                <a:effectLst>
+                  <a:outerShdw blurRad="38100" dist="38100" dir="2700000" algn="tl">
+                    <a:srgbClr val="000000">
+                      <a:alpha val="43137"/>
+                    </a:srgbClr>
+                  </a:outerShdw>
+                </a:effectLst>
+                <a:latin typeface="Trebuchet MS" panose="020B0603020202020204" pitchFamily="34" charset="0"/>
+                <a:ea typeface="PMingLiU" pitchFamily="18" charset="-120"/>
+                <a:cs typeface="Calibri" pitchFamily="34" charset="0"/>
+              </a:rPr>
+              <a:t>L</a:t>
+            </a:r>
+            <a:r>
+              <a:rPr lang="en-US" altLang="zh-TW" sz="4300" baseline="-25000" dirty="0">
+                <a:effectLst>
+                  <a:outerShdw blurRad="38100" dist="38100" dir="2700000" algn="tl">
+                    <a:srgbClr val="000000">
+                      <a:alpha val="43137"/>
+                    </a:srgbClr>
+                  </a:outerShdw>
+                </a:effectLst>
+                <a:latin typeface="Trebuchet MS" panose="020B0603020202020204" pitchFamily="34" charset="0"/>
+                <a:ea typeface="PMingLiU" pitchFamily="18" charset="-120"/>
+                <a:cs typeface="Calibri" pitchFamily="34" charset="0"/>
+              </a:rPr>
+              <a:t>2</a:t>
+            </a:r>
+            <a:r>
+              <a:rPr lang="en-US" altLang="zh-TW" sz="4300" dirty="0">
+                <a:effectLst>
+                  <a:outerShdw blurRad="38100" dist="38100" dir="2700000" algn="tl">
+                    <a:srgbClr val="000000">
+                      <a:alpha val="43137"/>
+                    </a:srgbClr>
+                  </a:outerShdw>
+                </a:effectLst>
+                <a:latin typeface="Trebuchet MS" panose="020B0603020202020204" pitchFamily="34" charset="0"/>
+                <a:ea typeface="PMingLiU" pitchFamily="18" charset="-120"/>
+                <a:cs typeface="Calibri" pitchFamily="34" charset="0"/>
+              </a:rPr>
+              <a:t>-regularized logistic regression</a:t>
+            </a:r>
           </a:p>
         </p:txBody>
       </p:sp>
@@ -7212,7 +7488,7 @@
         <p:spPr bwMode="auto">
           <a:xfrm>
             <a:off x="14173200" y="17221200"/>
-            <a:ext cx="12573000" cy="6832640"/>
+            <a:ext cx="12573000" cy="10325902"/>
           </a:xfrm>
           <a:prstGeom prst="rect">
             <a:avLst/>
@@ -7222,14 +7498,14 @@
             <a:noFill/>
           </a:ln>
           <a:extLst>
-            <a:ext uri="{909E8E84-426E-40DD-AFC4-6F175D3DCCD1}">
+            <a:ext uri="{909E8E84-426E-40dd-AFC4-6F175D3DCCD1}">
               <a14:hiddenFill xmlns:a14="http://schemas.microsoft.com/office/drawing/2010/main">
                 <a:solidFill>
                   <a:srgbClr val="FFFFFF"/>
                 </a:solidFill>
               </a14:hiddenFill>
             </a:ext>
-            <a:ext uri="{91240B29-F687-4F45-9708-019B960494DF}">
+            <a:ext uri="{91240B29-F687-4f45-9708-019B960494DF}">
               <a14:hiddenLine xmlns:a14="http://schemas.microsoft.com/office/drawing/2010/main" w="9525">
                 <a:solidFill>
                   <a:srgbClr val="000000"/>
@@ -7371,23 +7647,6 @@
               </a:rPr>
               <a:t>Results</a:t>
             </a:r>
-            <a:endParaRPr lang="en-US" altLang="zh-TW" sz="6600" b="1" dirty="0">
-              <a:solidFill>
-                <a:srgbClr val="C00000"/>
-              </a:solidFill>
-              <a:effectLst>
-                <a:outerShdw blurRad="38100" dist="38100" dir="2700000" algn="tl">
-                  <a:srgbClr val="000000">
-                    <a:alpha val="43137"/>
-                  </a:srgbClr>
-                </a:outerShdw>
-              </a:effectLst>
-              <a:latin typeface="Trebuchet MS" panose="020B0603020202020204" pitchFamily="34" charset="0"/>
-              <a:ea typeface="PMingLiU" pitchFamily="18" charset="-120"/>
-              <a:cs typeface="Calibri" pitchFamily="34" charset="0"/>
-            </a:endParaRPr>
-          </a:p>
-          <a:p>
             <a:endParaRPr lang="en-US" altLang="zh-TW" sz="3600" b="1" dirty="0">
               <a:solidFill>
                 <a:schemeClr val="accent2"/>
@@ -7405,12 +7664,29 @@
             </a:endParaRPr>
           </a:p>
           <a:p>
-            <a:pPr>
+            <a:endParaRPr lang="en-US" altLang="zh-TW" sz="800" b="1" dirty="0">
+              <a:solidFill>
+                <a:schemeClr val="accent2"/>
+              </a:solidFill>
+              <a:effectLst>
+                <a:outerShdw blurRad="38100" dist="38100" dir="2700000" algn="tl">
+                  <a:srgbClr val="000000">
+                    <a:alpha val="43137"/>
+                  </a:srgbClr>
+                </a:outerShdw>
+              </a:effectLst>
+              <a:latin typeface="Trebuchet MS" panose="020B0603020202020204" pitchFamily="34" charset="0"/>
+              <a:ea typeface="PMingLiU" pitchFamily="18" charset="-120"/>
+              <a:cs typeface="Calibri" pitchFamily="34" charset="0"/>
+            </a:endParaRPr>
+          </a:p>
+          <a:p>
+            <a:pPr marL="457200" lvl="2" indent="-457200">
               <a:buFont typeface="Arial" charset="0"/>
               <a:buChar char="•"/>
             </a:pPr>
             <a:r>
-              <a:rPr lang="en-US" altLang="zh-TW" sz="4800" dirty="0" smtClean="0">
+              <a:rPr lang="en-US" altLang="zh-TW" sz="4700" dirty="0">
                 <a:effectLst>
                   <a:outerShdw blurRad="38100" dist="38100" dir="2700000" algn="tl">
                     <a:srgbClr val="000000">
@@ -7422,16 +7698,16 @@
                 <a:ea typeface="PMingLiU" pitchFamily="18" charset="-120"/>
                 <a:cs typeface="Calibri" pitchFamily="34" charset="0"/>
               </a:rPr>
-              <a:t>Parameter selection</a:t>
-            </a:r>
-          </a:p>
-          <a:p>
-            <a:pPr>
+              <a:t>Feature selection</a:t>
+            </a:r>
+          </a:p>
+          <a:p>
+            <a:pPr marL="1371600" lvl="2" indent="-685800">
               <a:buFont typeface="Arial" charset="0"/>
               <a:buChar char="•"/>
             </a:pPr>
             <a:r>
-              <a:rPr lang="en-US" altLang="zh-TW" sz="4800" dirty="0" smtClean="0">
+              <a:rPr lang="en-US" altLang="zh-TW" sz="4300" dirty="0">
                 <a:effectLst>
                   <a:outerShdw blurRad="38100" dist="38100" dir="2700000" algn="tl">
                     <a:srgbClr val="000000">
@@ -7443,16 +7719,16 @@
                 <a:ea typeface="PMingLiU" pitchFamily="18" charset="-120"/>
                 <a:cs typeface="Calibri" pitchFamily="34" charset="0"/>
               </a:rPr>
-              <a:t>Accuracy</a:t>
-            </a:r>
-          </a:p>
-          <a:p>
-            <a:pPr>
+              <a:t>FFT + statistics (tend to be unsafe)</a:t>
+            </a:r>
+          </a:p>
+          <a:p>
+            <a:pPr marL="1371600" lvl="2" indent="-685800">
               <a:buFont typeface="Arial" charset="0"/>
               <a:buChar char="•"/>
             </a:pPr>
             <a:r>
-              <a:rPr lang="en-US" altLang="zh-TW" sz="4800" dirty="0" smtClean="0">
+              <a:rPr lang="en-US" altLang="zh-TW" sz="4300" dirty="0">
                 <a:effectLst>
                   <a:outerShdw blurRad="38100" dist="38100" dir="2700000" algn="tl">
                     <a:srgbClr val="000000">
@@ -7464,16 +7740,16 @@
                 <a:ea typeface="PMingLiU" pitchFamily="18" charset="-120"/>
                 <a:cs typeface="Calibri" pitchFamily="34" charset="0"/>
               </a:rPr>
-              <a:t>Smaller data reduces accuracy?</a:t>
-            </a:r>
-          </a:p>
-          <a:p>
-            <a:pPr>
+              <a:t>Statistics only (safe)</a:t>
+            </a:r>
+          </a:p>
+          <a:p>
+            <a:pPr marL="457200" lvl="2" indent="-457200">
               <a:buFont typeface="Arial" charset="0"/>
               <a:buChar char="•"/>
             </a:pPr>
             <a:r>
-              <a:rPr lang="en-US" altLang="zh-TW" sz="4800" dirty="0" smtClean="0">
+              <a:rPr lang="en-US" altLang="zh-CN" sz="4700" dirty="0">
                 <a:effectLst>
                   <a:outerShdw blurRad="38100" dist="38100" dir="2700000" algn="tl">
                     <a:srgbClr val="000000">
@@ -7485,16 +7761,19 @@
                 <a:ea typeface="PMingLiU" pitchFamily="18" charset="-120"/>
                 <a:cs typeface="Calibri" pitchFamily="34" charset="0"/>
               </a:rPr>
-              <a:t>Features of sensor impact accuracy more than pattern of human ?</a:t>
-            </a:r>
-          </a:p>
-          <a:p>
-            <a:pPr lvl="2">
+              <a:t>Area under the ROC curve</a:t>
+            </a:r>
+          </a:p>
+          <a:p>
+            <a:pPr lvl="1">
               <a:buFont typeface="Arial" charset="0"/>
               <a:buChar char="•"/>
             </a:pPr>
             <a:r>
-              <a:rPr lang="en-US" altLang="zh-TW" sz="4800" dirty="0">
+              <a:rPr lang="en-US" altLang="zh-CN" sz="4800" dirty="0" smtClean="0">
+                <a:solidFill>
+                  <a:srgbClr val="FF0000"/>
+                </a:solidFill>
                 <a:effectLst>
                   <a:outerShdw blurRad="38100" dist="38100" dir="2700000" algn="tl">
                     <a:srgbClr val="000000">
@@ -7506,10 +7785,58 @@
                 <a:ea typeface="PMingLiU" pitchFamily="18" charset="-120"/>
                 <a:cs typeface="Calibri" pitchFamily="34" charset="0"/>
               </a:rPr>
-              <a:t> </a:t>
-            </a:r>
-            <a:r>
-              <a:rPr lang="en-US" altLang="zh-TW" sz="4800" dirty="0" smtClean="0">
+              <a:t>Insert the table here</a:t>
+            </a:r>
+          </a:p>
+          <a:p>
+            <a:pPr lvl="1">
+              <a:buFont typeface="Arial" charset="0"/>
+              <a:buChar char="•"/>
+            </a:pPr>
+            <a:endParaRPr lang="en-US" altLang="zh-CN" sz="4800" dirty="0">
+              <a:solidFill>
+                <a:srgbClr val="FF0000"/>
+              </a:solidFill>
+              <a:effectLst>
+                <a:outerShdw blurRad="38100" dist="38100" dir="2700000" algn="tl">
+                  <a:srgbClr val="000000">
+                    <a:alpha val="43137"/>
+                  </a:srgbClr>
+                </a:outerShdw>
+              </a:effectLst>
+              <a:latin typeface="Trebuchet MS" panose="020B0603020202020204" pitchFamily="34" charset="0"/>
+              <a:ea typeface="PMingLiU" pitchFamily="18" charset="-120"/>
+              <a:cs typeface="Calibri" pitchFamily="34" charset="0"/>
+            </a:endParaRPr>
+          </a:p>
+          <a:p>
+            <a:pPr lvl="1">
+              <a:buFont typeface="Arial" charset="0"/>
+              <a:buChar char="•"/>
+            </a:pPr>
+            <a:endParaRPr lang="en-US" altLang="zh-CN" sz="4800" dirty="0" smtClean="0">
+              <a:solidFill>
+                <a:srgbClr val="FF0000"/>
+              </a:solidFill>
+              <a:effectLst>
+                <a:outerShdw blurRad="38100" dist="38100" dir="2700000" algn="tl">
+                  <a:srgbClr val="000000">
+                    <a:alpha val="43137"/>
+                  </a:srgbClr>
+                </a:outerShdw>
+              </a:effectLst>
+              <a:latin typeface="Trebuchet MS" panose="020B0603020202020204" pitchFamily="34" charset="0"/>
+              <a:ea typeface="PMingLiU" pitchFamily="18" charset="-120"/>
+              <a:cs typeface="Calibri" pitchFamily="34" charset="0"/>
+            </a:endParaRPr>
+          </a:p>
+          <a:p>
+            <a:pPr marL="457200" lvl="2" indent="-457200">
+              <a:buFont typeface="Arial" charset="0"/>
+              <a:buChar char="•"/>
+            </a:pPr>
+            <a:r>
+              <a:rPr lang="en-US" altLang="zh-TW" sz="4700" dirty="0">
                 <a:effectLst>
                   <a:outerShdw blurRad="38100" dist="38100" dir="2700000" algn="tl">
                     <a:srgbClr val="000000">
@@ -7521,7 +7848,79 @@
                 <a:ea typeface="PMingLiU" pitchFamily="18" charset="-120"/>
                 <a:cs typeface="Calibri" pitchFamily="34" charset="0"/>
               </a:rPr>
-              <a:t> how to reduce it</a:t>
+              <a:t>Conclusions</a:t>
+            </a:r>
+          </a:p>
+          <a:p>
+            <a:pPr marL="1371600" lvl="2" indent="-685800">
+              <a:buFont typeface="Arial" charset="0"/>
+              <a:buChar char="•"/>
+            </a:pPr>
+            <a:r>
+              <a:rPr lang="en-US" altLang="zh-TW" sz="4300" dirty="0">
+                <a:effectLst>
+                  <a:outerShdw blurRad="38100" dist="38100" dir="2700000" algn="tl">
+                    <a:srgbClr val="000000">
+                      <a:alpha val="43137"/>
+                    </a:srgbClr>
+                  </a:outerShdw>
+                </a:effectLst>
+                <a:latin typeface="Trebuchet MS" panose="020B0603020202020204" pitchFamily="34" charset="0"/>
+                <a:ea typeface="PMingLiU" pitchFamily="18" charset="-120"/>
+                <a:cs typeface="Calibri" pitchFamily="34" charset="0"/>
+              </a:rPr>
+              <a:t>For high-dimensional features, linear methods tend to perform better</a:t>
+            </a:r>
+          </a:p>
+          <a:p>
+            <a:pPr marL="1371600" lvl="2" indent="-685800">
+              <a:buFont typeface="Arial" charset="0"/>
+              <a:buChar char="•"/>
+            </a:pPr>
+            <a:r>
+              <a:rPr lang="en-US" altLang="zh-TW" sz="4300">
+                <a:effectLst>
+                  <a:outerShdw blurRad="38100" dist="38100" dir="2700000" algn="tl">
+                    <a:srgbClr val="000000">
+                      <a:alpha val="43137"/>
+                    </a:srgbClr>
+                  </a:outerShdw>
+                </a:effectLst>
+                <a:latin typeface="Trebuchet MS" panose="020B0603020202020204" pitchFamily="34" charset="0"/>
+                <a:ea typeface="PMingLiU" pitchFamily="18" charset="-120"/>
+                <a:cs typeface="Calibri" pitchFamily="34" charset="0"/>
+              </a:rPr>
+              <a:t>R</a:t>
+            </a:r>
+            <a:r>
+              <a:rPr lang="en-US" altLang="zh-TW" sz="4300" smtClean="0">
+                <a:effectLst>
+                  <a:outerShdw blurRad="38100" dist="38100" dir="2700000" algn="tl">
+                    <a:srgbClr val="000000">
+                      <a:alpha val="43137"/>
+                    </a:srgbClr>
+                  </a:outerShdw>
+                </a:effectLst>
+                <a:latin typeface="Trebuchet MS" panose="020B0603020202020204" pitchFamily="34" charset="0"/>
+                <a:ea typeface="PMingLiU" pitchFamily="18" charset="-120"/>
+                <a:cs typeface="Calibri" pitchFamily="34" charset="0"/>
+              </a:rPr>
+              <a:t>esults </a:t>
+            </a:r>
+            <a:r>
+              <a:rPr lang="en-US" altLang="zh-TW" sz="4300" dirty="0">
+                <a:effectLst>
+                  <a:outerShdw blurRad="38100" dist="38100" dir="2700000" algn="tl">
+                    <a:srgbClr val="000000">
+                      <a:alpha val="43137"/>
+                    </a:srgbClr>
+                  </a:outerShdw>
+                </a:effectLst>
+                <a:latin typeface="Trebuchet MS" panose="020B0603020202020204" pitchFamily="34" charset="0"/>
+                <a:ea typeface="PMingLiU" pitchFamily="18" charset="-120"/>
+                <a:cs typeface="Calibri" pitchFamily="34" charset="0"/>
+              </a:rPr>
+              <a:t>of using safe feature is acceptable, but further improvement is needed</a:t>
             </a:r>
           </a:p>
           <a:p>
@@ -7529,8 +7928,15 @@
               <a:buFont typeface="Arial" charset="0"/>
               <a:buChar char="•"/>
             </a:pPr>
-            <a:endParaRPr lang="en-US" altLang="zh-TW" sz="4800" dirty="0">
-              <a:latin typeface="Calibri" pitchFamily="34" charset="0"/>
+            <a:endParaRPr lang="en-US" altLang="zh-TW" sz="4800" dirty="0" smtClean="0">
+              <a:effectLst>
+                <a:outerShdw blurRad="38100" dist="38100" dir="2700000" algn="tl">
+                  <a:srgbClr val="000000">
+                    <a:alpha val="43137"/>
+                  </a:srgbClr>
+                </a:outerShdw>
+              </a:effectLst>
+              <a:latin typeface="Trebuchet MS" panose="020B0603020202020204" pitchFamily="34" charset="0"/>
               <a:ea typeface="PMingLiU" pitchFamily="18" charset="-120"/>
               <a:cs typeface="Calibri" pitchFamily="34" charset="0"/>
             </a:endParaRPr>
@@ -7700,14 +8106,14 @@
             <a:noFill/>
           </a:ln>
           <a:extLst>
-            <a:ext uri="{909E8E84-426E-40DD-AFC4-6F175D3DCCD1}">
+            <a:ext uri="{909E8E84-426E-40dd-AFC4-6F175D3DCCD1}">
               <a14:hiddenFill xmlns:a14="http://schemas.microsoft.com/office/drawing/2010/main">
                 <a:solidFill>
                   <a:srgbClr val="FFFFFF"/>
                 </a:solidFill>
               </a14:hiddenFill>
             </a:ext>
-            <a:ext uri="{91240B29-F687-4F45-9708-019B960494DF}">
+            <a:ext uri="{91240B29-F687-4f45-9708-019B960494DF}">
               <a14:hiddenLine xmlns:a14="http://schemas.microsoft.com/office/drawing/2010/main" w="9525">
                 <a:solidFill>
                   <a:srgbClr val="000000"/>
@@ -8032,7 +8438,7 @@
           </a:prstGeom>
           <a:noFill/>
           <a:extLst>
-            <a:ext uri="{909E8E84-426E-40DD-AFC4-6F175D3DCCD1}">
+            <a:ext uri="{909E8E84-426E-40dd-AFC4-6F175D3DCCD1}">
               <a14:hiddenFill xmlns:a14="http://schemas.microsoft.com/office/drawing/2010/main">
                 <a:solidFill>
                   <a:srgbClr val="FFFFFF"/>
@@ -8125,7 +8531,7 @@
           </a:prstGeom>
           <a:noFill/>
           <a:extLst>
-            <a:ext uri="{909E8E84-426E-40DD-AFC4-6F175D3DCCD1}">
+            <a:ext uri="{909E8E84-426E-40dd-AFC4-6F175D3DCCD1}">
               <a14:hiddenFill xmlns:a14="http://schemas.microsoft.com/office/drawing/2010/main">
                 <a:solidFill>
                   <a:srgbClr val="FFFFFF"/>
@@ -8171,7 +8577,7 @@
             <a:softEdge rad="112500"/>
           </a:effectLst>
           <a:extLst>
-            <a:ext uri="{909E8E84-426E-40DD-AFC4-6F175D3DCCD1}">
+            <a:ext uri="{909E8E84-426E-40dd-AFC4-6F175D3DCCD1}">
               <a14:hiddenFill xmlns:a14="http://schemas.microsoft.com/office/drawing/2010/main">
                 <a:solidFill>
                   <a:srgbClr val="FFFFFF"/>
@@ -8212,7 +8618,7 @@
           </a:prstGeom>
           <a:noFill/>
           <a:extLst>
-            <a:ext uri="{909E8E84-426E-40DD-AFC4-6F175D3DCCD1}">
+            <a:ext uri="{909E8E84-426E-40dd-AFC4-6F175D3DCCD1}">
               <a14:hiddenFill xmlns:a14="http://schemas.microsoft.com/office/drawing/2010/main">
                 <a:solidFill>
                   <a:srgbClr val="FFFFFF"/>
@@ -8253,7 +8659,7 @@
           </a:prstGeom>
           <a:noFill/>
           <a:extLst>
-            <a:ext uri="{909E8E84-426E-40DD-AFC4-6F175D3DCCD1}">
+            <a:ext uri="{909E8E84-426E-40dd-AFC4-6F175D3DCCD1}">
               <a14:hiddenFill xmlns:a14="http://schemas.microsoft.com/office/drawing/2010/main">
                 <a:solidFill>
                   <a:srgbClr val="FFFFFF"/>
@@ -8313,7 +8719,7 @@
             </a:outerShdw>
           </a:effectLst>
           <a:extLst>
-            <a:ext uri="{909E8E84-426E-40DD-AFC4-6F175D3DCCD1}">
+            <a:ext uri="{909E8E84-426E-40dd-AFC4-6F175D3DCCD1}">
               <a14:hiddenFill xmlns:a14="http://schemas.microsoft.com/office/drawing/2010/main">
                 <a:solidFill>
                   <a:srgbClr val="FFFFFF"/>
@@ -8364,7 +8770,7 @@
           </a:prstGeom>
           <a:noFill/>
           <a:extLst>
-            <a:ext uri="{909E8E84-426E-40DD-AFC4-6F175D3DCCD1}">
+            <a:ext uri="{909E8E84-426E-40dd-AFC4-6F175D3DCCD1}">
               <a14:hiddenFill xmlns:a14="http://schemas.microsoft.com/office/drawing/2010/main">
                 <a:solidFill>
                   <a:srgbClr val="FFFFFF"/>
@@ -8442,7 +8848,7 @@
           </a:prstGeom>
           <a:noFill/>
           <a:extLst>
-            <a:ext uri="{909E8E84-426E-40DD-AFC4-6F175D3DCCD1}">
+            <a:ext uri="{909E8E84-426E-40dd-AFC4-6F175D3DCCD1}">
               <a14:hiddenFill xmlns:a14="http://schemas.microsoft.com/office/drawing/2010/main">
                 <a:solidFill>
                   <a:srgbClr val="FFFFFF"/>
@@ -8485,7 +8891,7 @@
         </p:blipFill>
         <p:spPr bwMode="auto">
           <a:xfrm>
-            <a:off x="20650200" y="5980008"/>
+            <a:off x="21183600" y="5668488"/>
             <a:ext cx="5753100" cy="4542312"/>
           </a:xfrm>
           <a:prstGeom prst="rect">
@@ -8493,7 +8899,7 @@
           </a:prstGeom>
           <a:noFill/>
           <a:extLst>
-            <a:ext uri="{909E8E84-426E-40DD-AFC4-6F175D3DCCD1}">
+            <a:ext uri="{909E8E84-426E-40dd-AFC4-6F175D3DCCD1}">
               <a14:hiddenFill xmlns:a14="http://schemas.microsoft.com/office/drawing/2010/main">
                 <a:solidFill>
                   <a:srgbClr val="FFFFFF"/>
@@ -8544,7 +8950,7 @@
           </a:prstGeom>
           <a:noFill/>
           <a:extLst>
-            <a:ext uri="{909E8E84-426E-40DD-AFC4-6F175D3DCCD1}">
+            <a:ext uri="{909E8E84-426E-40dd-AFC4-6F175D3DCCD1}">
               <a14:hiddenFill xmlns:a14="http://schemas.microsoft.com/office/drawing/2010/main">
                 <a:solidFill>
                   <a:srgbClr val="FFFFFF"/>
@@ -8562,7 +8968,7 @@
   <p:timing>
     <p:tnLst>
       <p:par>
-        <p:cTn id="1" dur="indefinite" restart="never" nodeType="tmRoot"/>
+        <p:cTn xmlns:p14="http://schemas.microsoft.com/office/powerpoint/2010/main" id="1" dur="indefinite" restart="never" nodeType="tmRoot"/>
       </p:par>
     </p:tnLst>
   </p:timing>

--- a/poster/poster_draft.pptx
+++ b/poster/poster_draft.pptx
@@ -4057,7 +4057,7 @@
         <p:spPr bwMode="auto">
           <a:xfrm>
             <a:off x="14020800" y="5791200"/>
-            <a:ext cx="12801600" cy="11125200"/>
+            <a:ext cx="12801600" cy="8763000"/>
           </a:xfrm>
           <a:prstGeom prst="rect">
             <a:avLst/>
@@ -4199,7 +4199,7 @@
         <p:spPr bwMode="auto">
           <a:xfrm>
             <a:off x="609600" y="5791200"/>
-            <a:ext cx="12877800" cy="25069800"/>
+            <a:ext cx="12877800" cy="19735800"/>
           </a:xfrm>
           <a:prstGeom prst="rect">
             <a:avLst/>
@@ -4694,9 +4694,43 @@
                 <a:latin typeface="Trebuchet MS" panose="020B0603020202020204" pitchFamily="34" charset="0"/>
                 <a:ea typeface="ＭＳ Ｐゴシック" pitchFamily="34" charset="-128"/>
               </a:rPr>
-              <a:t>Acceleration Data</a:t>
-            </a:r>
-            <a:endParaRPr lang="en-US" altLang="zh-CN" sz="4400" b="1" dirty="0" smtClean="0">
+              <a:t>Acceleration </a:t>
+            </a:r>
+            <a:r>
+              <a:rPr lang="en-US" altLang="zh-CN" sz="8000" b="1" dirty="0" smtClean="0">
+                <a:solidFill>
+                  <a:srgbClr val="002060"/>
+                </a:solidFill>
+                <a:effectLst>
+                  <a:outerShdw blurRad="38100" dist="38100" dir="2700000" algn="tl">
+                    <a:srgbClr val="000000">
+                      <a:alpha val="43137"/>
+                    </a:srgbClr>
+                  </a:outerShdw>
+                </a:effectLst>
+                <a:latin typeface="Trebuchet MS" panose="020B0603020202020204" pitchFamily="34" charset="0"/>
+                <a:ea typeface="ＭＳ Ｐゴシック" pitchFamily="34" charset="-128"/>
+              </a:rPr>
+              <a:t>Data </a:t>
+            </a:r>
+            <a:r>
+              <a:rPr lang="en-US" altLang="zh-CN" sz="3600" b="1" dirty="0" smtClean="0">
+                <a:solidFill>
+                  <a:srgbClr val="002060"/>
+                </a:solidFill>
+                <a:effectLst>
+                  <a:outerShdw blurRad="38100" dist="38100" dir="2700000" algn="tl">
+                    <a:srgbClr val="000000">
+                      <a:alpha val="43137"/>
+                    </a:srgbClr>
+                  </a:outerShdw>
+                </a:effectLst>
+                <a:latin typeface="Trebuchet MS" panose="020B0603020202020204" pitchFamily="34" charset="0"/>
+                <a:ea typeface="ＭＳ Ｐゴシック" pitchFamily="34" charset="-128"/>
+              </a:rPr>
+              <a:t>(#25)</a:t>
+            </a:r>
+            <a:endParaRPr lang="en-US" altLang="zh-CN" sz="3600" b="1" dirty="0" smtClean="0">
               <a:solidFill>
                 <a:srgbClr val="002060"/>
               </a:solidFill>
@@ -4723,7 +4757,7 @@
         </p:nvSpPr>
         <p:spPr bwMode="auto">
           <a:xfrm>
-            <a:off x="0" y="2151063"/>
+            <a:off x="0" y="2379663"/>
             <a:ext cx="21717000" cy="1354137"/>
           </a:xfrm>
           <a:prstGeom prst="rect">
@@ -4925,7 +4959,23 @@
                 </a:effectLst>
                 <a:latin typeface="Calibri" pitchFamily="34" charset="0"/>
               </a:rPr>
-              <a:t> Mao, </a:t>
+              <a:t> </a:t>
+            </a:r>
+            <a:r>
+              <a:rPr lang="en-US" altLang="zh-CN" sz="4800" b="1" dirty="0" smtClean="0">
+                <a:solidFill>
+                  <a:schemeClr val="tx2"/>
+                </a:solidFill>
+                <a:effectLst>
+                  <a:outerShdw blurRad="38100" dist="38100" dir="2700000" algn="tl">
+                    <a:srgbClr val="000000">
+                      <a:alpha val="43137"/>
+                    </a:srgbClr>
+                  </a:outerShdw>
+                </a:effectLst>
+                <a:latin typeface="Calibri" pitchFamily="34" charset="0"/>
+              </a:rPr>
+              <a:t>Mao, </a:t>
             </a:r>
             <a:r>
               <a:rPr lang="en-US" altLang="zh-CN" sz="4800" b="1" dirty="0" err="1" smtClean="0">
@@ -4989,39 +5039,7 @@
                 </a:effectLst>
                 <a:latin typeface="Calibri" pitchFamily="34" charset="0"/>
               </a:rPr>
-              <a:t>, Yuchen Wu, </a:t>
-            </a:r>
-            <a:r>
-              <a:rPr lang="en-US" altLang="zh-CN" sz="4800" b="1" dirty="0" err="1" smtClean="0">
-                <a:solidFill>
-                  <a:schemeClr val="tx2"/>
-                </a:solidFill>
-                <a:effectLst>
-                  <a:outerShdw blurRad="38100" dist="38100" dir="2700000" algn="tl">
-                    <a:srgbClr val="000000">
-                      <a:alpha val="43137"/>
-                    </a:srgbClr>
-                  </a:outerShdw>
-                </a:effectLst>
-                <a:latin typeface="Calibri" pitchFamily="34" charset="0"/>
-              </a:rPr>
-              <a:t>Yimeng</a:t>
-            </a:r>
-            <a:r>
-              <a:rPr lang="en-US" altLang="zh-CN" sz="4800" b="1" dirty="0" smtClean="0">
-                <a:solidFill>
-                  <a:schemeClr val="tx2"/>
-                </a:solidFill>
-                <a:effectLst>
-                  <a:outerShdw blurRad="38100" dist="38100" dir="2700000" algn="tl">
-                    <a:srgbClr val="000000">
-                      <a:alpha val="43137"/>
-                    </a:srgbClr>
-                  </a:outerShdw>
-                </a:effectLst>
-                <a:latin typeface="Calibri" pitchFamily="34" charset="0"/>
-              </a:rPr>
-              <a:t> Zhang</a:t>
+              <a:t>, Yuchen Wu, Yimeng Zhang</a:t>
             </a:r>
             <a:r>
               <a:rPr lang="en-US" altLang="zh-CN" sz="4600" b="1" dirty="0" smtClean="0">
@@ -5084,7 +5102,7 @@
                 </a:effectLst>
                 <a:latin typeface="Calibri" pitchFamily="34" charset="0"/>
               </a:rPr>
-              <a:t>Carnegie Mellon University   (Authors are listed in </a:t>
+              <a:t>Carnegie Mellon University   </a:t>
             </a:r>
             <a:r>
               <a:rPr lang="en-US" altLang="zh-CN" sz="4000" b="1" dirty="0" smtClean="0">
@@ -5100,7 +5118,23 @@
                 </a:effectLst>
                 <a:latin typeface="Calibri" pitchFamily="34" charset="0"/>
               </a:rPr>
-              <a:t>alphabetical </a:t>
+              <a:t>(Authors are </a:t>
+            </a:r>
+            <a:r>
+              <a:rPr lang="en-US" altLang="zh-CN" sz="4000" b="1" dirty="0" smtClean="0">
+                <a:solidFill>
+                  <a:schemeClr val="tx2"/>
+                </a:solidFill>
+                <a:effectLst>
+                  <a:outerShdw blurRad="38100" dist="38100" dir="2700000" algn="tl">
+                    <a:srgbClr val="000000">
+                      <a:alpha val="43137"/>
+                    </a:srgbClr>
+                  </a:outerShdw>
+                </a:effectLst>
+                <a:latin typeface="Calibri" pitchFamily="34" charset="0"/>
+              </a:rPr>
+              <a:t>listed in alphabetical </a:t>
             </a:r>
             <a:r>
               <a:rPr lang="en-US" altLang="zh-CN" sz="4000" b="1" dirty="0" smtClean="0">
@@ -5291,7 +5325,7 @@
         <p:spPr bwMode="auto">
           <a:xfrm>
             <a:off x="685800" y="5799296"/>
-            <a:ext cx="12725400" cy="24375904"/>
+            <a:ext cx="12725400" cy="19420697"/>
           </a:xfrm>
           <a:prstGeom prst="rect">
             <a:avLst/>
@@ -5497,7 +5531,35 @@
                 <a:latin typeface="Trebuchet MS" panose="020B0603020202020204" pitchFamily="34" charset="0"/>
                 <a:ea typeface="PMingLiU" pitchFamily="18" charset="-120"/>
               </a:rPr>
-              <a:t>Sensors inside your smartphone are much more powerful than you can image,</a:t>
+              <a:t>Sensors inside your smartphone are much more powerful than you can </a:t>
+            </a:r>
+            <a:r>
+              <a:rPr lang="en-US" altLang="zh-TW" sz="4600" dirty="0" smtClean="0">
+                <a:effectLst>
+                  <a:outerShdw blurRad="38100" dist="38100" dir="2700000" algn="tl">
+                    <a:srgbClr val="000000">
+                      <a:alpha val="43137"/>
+                    </a:srgbClr>
+                  </a:outerShdw>
+                </a:effectLst>
+                <a:latin typeface="Trebuchet MS" panose="020B0603020202020204" pitchFamily="34" charset="0"/>
+                <a:ea typeface="PMingLiU" pitchFamily="18" charset="-120"/>
+              </a:rPr>
+              <a:t>imagine</a:t>
+            </a:r>
+            <a:r>
+              <a:rPr lang="en-US" altLang="zh-TW" sz="4600" dirty="0" smtClean="0">
+                <a:effectLst>
+                  <a:outerShdw blurRad="38100" dist="38100" dir="2700000" algn="tl">
+                    <a:srgbClr val="000000">
+                      <a:alpha val="43137"/>
+                    </a:srgbClr>
+                  </a:outerShdw>
+                </a:effectLst>
+                <a:latin typeface="Trebuchet MS" panose="020B0603020202020204" pitchFamily="34" charset="0"/>
+                <a:ea typeface="PMingLiU" pitchFamily="18" charset="-120"/>
+              </a:rPr>
+              <a:t>,</a:t>
             </a:r>
             <a:br>
               <a:rPr lang="en-US" altLang="zh-TW" sz="4600" dirty="0" smtClean="0">
@@ -5746,7 +5808,21 @@
                 <a:latin typeface="Trebuchet MS" panose="020B0603020202020204" pitchFamily="34" charset="0"/>
                 <a:ea typeface="PMingLiU" pitchFamily="18" charset="-120"/>
               </a:rPr>
-              <a:t>Does it strong enough to identify you?</a:t>
+              <a:t>Is it </a:t>
+            </a:r>
+            <a:r>
+              <a:rPr lang="en-US" altLang="zh-TW" sz="4600" dirty="0" smtClean="0">
+                <a:effectLst>
+                  <a:outerShdw blurRad="38100" dist="38100" dir="2700000" algn="tl">
+                    <a:srgbClr val="000000">
+                      <a:alpha val="43137"/>
+                    </a:srgbClr>
+                  </a:outerShdw>
+                </a:effectLst>
+                <a:latin typeface="Trebuchet MS" panose="020B0603020202020204" pitchFamily="34" charset="0"/>
+                <a:ea typeface="PMingLiU" pitchFamily="18" charset="-120"/>
+              </a:rPr>
+              <a:t>strong enough to identify you?</a:t>
             </a:r>
             <a:endParaRPr lang="en-US" altLang="zh-TW" sz="4600" dirty="0">
               <a:effectLst>
@@ -5790,7 +5866,35 @@
                 <a:latin typeface="Trebuchet MS" panose="020B0603020202020204" pitchFamily="34" charset="0"/>
                 <a:ea typeface="PMingLiU" pitchFamily="18" charset="-120"/>
               </a:rPr>
-              <a:t>How hard it is to take advantage of much data to identify you</a:t>
+              <a:t>How hard it is to take advantage of </a:t>
+            </a:r>
+            <a:r>
+              <a:rPr lang="en-US" altLang="zh-TW" sz="4600" dirty="0" smtClean="0">
+                <a:effectLst>
+                  <a:outerShdw blurRad="38100" dist="38100" dir="2700000" algn="tl">
+                    <a:srgbClr val="000000">
+                      <a:alpha val="43137"/>
+                    </a:srgbClr>
+                  </a:outerShdw>
+                </a:effectLst>
+                <a:latin typeface="Trebuchet MS" panose="020B0603020202020204" pitchFamily="34" charset="0"/>
+                <a:ea typeface="PMingLiU" pitchFamily="18" charset="-120"/>
+              </a:rPr>
+              <a:t>accelerometer data </a:t>
+            </a:r>
+            <a:r>
+              <a:rPr lang="en-US" altLang="zh-TW" sz="4600" dirty="0" smtClean="0">
+                <a:effectLst>
+                  <a:outerShdw blurRad="38100" dist="38100" dir="2700000" algn="tl">
+                    <a:srgbClr val="000000">
+                      <a:alpha val="43137"/>
+                    </a:srgbClr>
+                  </a:outerShdw>
+                </a:effectLst>
+                <a:latin typeface="Trebuchet MS" panose="020B0603020202020204" pitchFamily="34" charset="0"/>
+                <a:ea typeface="PMingLiU" pitchFamily="18" charset="-120"/>
+              </a:rPr>
+              <a:t>to identify you</a:t>
             </a:r>
           </a:p>
           <a:p>
@@ -5810,7 +5914,35 @@
                 <a:latin typeface="Trebuchet MS" panose="020B0603020202020204" pitchFamily="34" charset="0"/>
                 <a:ea typeface="PMingLiU" pitchFamily="18" charset="-120"/>
               </a:rPr>
-              <a:t>Is the computing time-consuming</a:t>
+              <a:t>Is the </a:t>
+            </a:r>
+            <a:r>
+              <a:rPr lang="en-US" altLang="zh-TW" sz="4600" dirty="0" smtClean="0">
+                <a:effectLst>
+                  <a:outerShdw blurRad="38100" dist="38100" dir="2700000" algn="tl">
+                    <a:srgbClr val="000000">
+                      <a:alpha val="43137"/>
+                    </a:srgbClr>
+                  </a:outerShdw>
+                </a:effectLst>
+                <a:latin typeface="Trebuchet MS" panose="020B0603020202020204" pitchFamily="34" charset="0"/>
+                <a:ea typeface="PMingLiU" pitchFamily="18" charset="-120"/>
+              </a:rPr>
+              <a:t>computation </a:t>
+            </a:r>
+            <a:r>
+              <a:rPr lang="en-US" altLang="zh-TW" sz="4600" dirty="0" smtClean="0">
+                <a:effectLst>
+                  <a:outerShdw blurRad="38100" dist="38100" dir="2700000" algn="tl">
+                    <a:srgbClr val="000000">
+                      <a:alpha val="43137"/>
+                    </a:srgbClr>
+                  </a:outerShdw>
+                </a:effectLst>
+                <a:latin typeface="Trebuchet MS" panose="020B0603020202020204" pitchFamily="34" charset="0"/>
+                <a:ea typeface="PMingLiU" pitchFamily="18" charset="-120"/>
+              </a:rPr>
+              <a:t>time-consuming</a:t>
             </a:r>
           </a:p>
           <a:p>
@@ -5830,38 +5962,8 @@
                 <a:latin typeface="Trebuchet MS" panose="020B0603020202020204" pitchFamily="34" charset="0"/>
                 <a:ea typeface="PMingLiU" pitchFamily="18" charset="-120"/>
               </a:rPr>
-              <a:t>How much data is required</a:t>
-            </a:r>
-            <a:endParaRPr lang="en-US" altLang="zh-TW" sz="4600" dirty="0">
-              <a:effectLst>
-                <a:outerShdw blurRad="38100" dist="38100" dir="2700000" algn="tl">
-                  <a:srgbClr val="000000">
-                    <a:alpha val="43137"/>
-                  </a:srgbClr>
-                </a:outerShdw>
-              </a:effectLst>
-              <a:latin typeface="Trebuchet MS" panose="020B0603020202020204" pitchFamily="34" charset="0"/>
-              <a:ea typeface="PMingLiU" pitchFamily="18" charset="-120"/>
-            </a:endParaRPr>
-          </a:p>
-          <a:p>
-            <a:endParaRPr lang="en-US" altLang="zh-TW" sz="4600" dirty="0">
-              <a:effectLst>
-                <a:outerShdw blurRad="38100" dist="38100" dir="2700000" algn="tl">
-                  <a:srgbClr val="000000">
-                    <a:alpha val="43137"/>
-                  </a:srgbClr>
-                </a:outerShdw>
-              </a:effectLst>
-              <a:latin typeface="Trebuchet MS" panose="020B0603020202020204" pitchFamily="34" charset="0"/>
-              <a:ea typeface="PMingLiU" pitchFamily="18" charset="-120"/>
-            </a:endParaRPr>
-          </a:p>
-          <a:p>
-            <a:pPr>
-              <a:buFont typeface="Arial" charset="0"/>
-              <a:buChar char="•"/>
-            </a:pPr>
+              <a:t>How much data is </a:t>
+            </a:r>
             <a:r>
               <a:rPr lang="en-US" altLang="zh-TW" sz="4600" dirty="0" smtClean="0">
                 <a:effectLst>
@@ -5874,172 +5976,8 @@
                 <a:latin typeface="Trebuchet MS" panose="020B0603020202020204" pitchFamily="34" charset="0"/>
                 <a:ea typeface="PMingLiU" pitchFamily="18" charset="-120"/>
               </a:rPr>
-              <a:t>How can we take advantage of such technique</a:t>
-            </a:r>
-            <a:endParaRPr lang="en-US" altLang="zh-TW" sz="4600" dirty="0">
-              <a:effectLst>
-                <a:outerShdw blurRad="38100" dist="38100" dir="2700000" algn="tl">
-                  <a:srgbClr val="000000">
-                    <a:alpha val="43137"/>
-                  </a:srgbClr>
-                </a:outerShdw>
-              </a:effectLst>
-              <a:latin typeface="Trebuchet MS" panose="020B0603020202020204" pitchFamily="34" charset="0"/>
-              <a:ea typeface="PMingLiU" pitchFamily="18" charset="-120"/>
-            </a:endParaRPr>
-          </a:p>
-          <a:p>
-            <a:pPr lvl="2">
-              <a:buFont typeface="Arial" charset="0"/>
-              <a:buChar char="•"/>
-            </a:pPr>
-            <a:r>
-              <a:rPr lang="en-US" altLang="zh-TW" sz="4600" dirty="0" smtClean="0">
-                <a:effectLst>
-                  <a:outerShdw blurRad="38100" dist="38100" dir="2700000" algn="tl">
-                    <a:srgbClr val="000000">
-                      <a:alpha val="43137"/>
-                    </a:srgbClr>
-                  </a:outerShdw>
-                </a:effectLst>
-                <a:latin typeface="Trebuchet MS" panose="020B0603020202020204" pitchFamily="34" charset="0"/>
-                <a:ea typeface="PMingLiU" pitchFamily="18" charset="-120"/>
-              </a:rPr>
-              <a:t>Health monitoring</a:t>
-            </a:r>
-          </a:p>
-          <a:p>
-            <a:pPr lvl="2">
-              <a:buFont typeface="Arial" charset="0"/>
-              <a:buChar char="•"/>
-            </a:pPr>
-            <a:r>
-              <a:rPr lang="en-US" altLang="zh-TW" sz="4600" dirty="0" smtClean="0">
-                <a:effectLst>
-                  <a:outerShdw blurRad="38100" dist="38100" dir="2700000" algn="tl">
-                    <a:srgbClr val="000000">
-                      <a:alpha val="43137"/>
-                    </a:srgbClr>
-                  </a:outerShdw>
-                </a:effectLst>
-                <a:latin typeface="Trebuchet MS" panose="020B0603020202020204" pitchFamily="34" charset="0"/>
-                <a:ea typeface="PMingLiU" pitchFamily="18" charset="-120"/>
-              </a:rPr>
-              <a:t>Anti-theft</a:t>
-            </a:r>
-            <a:endParaRPr lang="en-US" altLang="zh-TW" sz="4600" dirty="0">
-              <a:effectLst>
-                <a:outerShdw blurRad="38100" dist="38100" dir="2700000" algn="tl">
-                  <a:srgbClr val="000000">
-                    <a:alpha val="43137"/>
-                  </a:srgbClr>
-                </a:outerShdw>
-              </a:effectLst>
-              <a:latin typeface="Trebuchet MS" panose="020B0603020202020204" pitchFamily="34" charset="0"/>
-              <a:ea typeface="PMingLiU" pitchFamily="18" charset="-120"/>
-            </a:endParaRPr>
-          </a:p>
-          <a:p>
-            <a:pPr lvl="2">
-              <a:buFont typeface="Arial" charset="0"/>
-              <a:buChar char="•"/>
-            </a:pPr>
-            <a:r>
-              <a:rPr lang="en-US" altLang="zh-TW" sz="4600" dirty="0" smtClean="0">
-                <a:effectLst>
-                  <a:outerShdw blurRad="38100" dist="38100" dir="2700000" algn="tl">
-                    <a:srgbClr val="000000">
-                      <a:alpha val="43137"/>
-                    </a:srgbClr>
-                  </a:outerShdw>
-                </a:effectLst>
-                <a:latin typeface="Trebuchet MS" panose="020B0603020202020204" pitchFamily="34" charset="0"/>
-                <a:ea typeface="PMingLiU" pitchFamily="18" charset="-120"/>
-              </a:rPr>
-              <a:t>Emergency detection</a:t>
-            </a:r>
-            <a:endParaRPr lang="en-US" altLang="zh-TW" sz="4600" dirty="0">
-              <a:effectLst>
-                <a:outerShdw blurRad="38100" dist="38100" dir="2700000" algn="tl">
-                  <a:srgbClr val="000000">
-                    <a:alpha val="43137"/>
-                  </a:srgbClr>
-                </a:outerShdw>
-              </a:effectLst>
-              <a:latin typeface="Trebuchet MS" panose="020B0603020202020204" pitchFamily="34" charset="0"/>
-              <a:ea typeface="PMingLiU" pitchFamily="18" charset="-120"/>
-            </a:endParaRPr>
-          </a:p>
-          <a:p>
-            <a:pPr lvl="2">
-              <a:buFont typeface="Arial" charset="0"/>
-              <a:buChar char="•"/>
-            </a:pPr>
-            <a:r>
-              <a:rPr lang="en-US" altLang="zh-TW" sz="4600" dirty="0" smtClean="0">
-                <a:effectLst>
-                  <a:outerShdw blurRad="38100" dist="38100" dir="2700000" algn="tl">
-                    <a:srgbClr val="000000">
-                      <a:alpha val="43137"/>
-                    </a:srgbClr>
-                  </a:outerShdw>
-                </a:effectLst>
-                <a:latin typeface="Trebuchet MS" panose="020B0603020202020204" pitchFamily="34" charset="0"/>
-                <a:ea typeface="PMingLiU" pitchFamily="18" charset="-120"/>
-              </a:rPr>
-              <a:t>Advertising without cookie</a:t>
-            </a:r>
-          </a:p>
-          <a:p>
-            <a:pPr lvl="2">
-              <a:buFont typeface="Arial" charset="0"/>
-              <a:buChar char="•"/>
-            </a:pPr>
-            <a:r>
-              <a:rPr lang="en-US" altLang="zh-TW" sz="4600" dirty="0" smtClean="0">
-                <a:effectLst>
-                  <a:outerShdw blurRad="38100" dist="38100" dir="2700000" algn="tl">
-                    <a:srgbClr val="000000">
-                      <a:alpha val="43137"/>
-                    </a:srgbClr>
-                  </a:outerShdw>
-                </a:effectLst>
-                <a:latin typeface="Trebuchet MS" panose="020B0603020202020204" pitchFamily="34" charset="0"/>
-                <a:ea typeface="PMingLiU" pitchFamily="18" charset="-120"/>
-              </a:rPr>
-              <a:t>Do some </a:t>
-            </a:r>
-            <a:r>
-              <a:rPr lang="en-US" altLang="zh-TW" sz="4600" b="1" dirty="0" smtClean="0">
-                <a:effectLst>
-                  <a:outerShdw blurRad="38100" dist="38100" dir="2700000" algn="tl">
-                    <a:srgbClr val="000000">
-                      <a:alpha val="43137"/>
-                    </a:srgbClr>
-                  </a:outerShdw>
-                </a:effectLst>
-                <a:latin typeface="Trebuchet MS" panose="020B0603020202020204" pitchFamily="34" charset="0"/>
-                <a:ea typeface="PMingLiU" pitchFamily="18" charset="-120"/>
-              </a:rPr>
-              <a:t>evil</a:t>
-            </a:r>
-            <a:r>
-              <a:rPr lang="en-US" altLang="zh-TW" sz="4600" dirty="0" smtClean="0">
-                <a:effectLst>
-                  <a:outerShdw blurRad="38100" dist="38100" dir="2700000" algn="tl">
-                    <a:srgbClr val="000000">
-                      <a:alpha val="43137"/>
-                    </a:srgbClr>
-                  </a:outerShdw>
-                </a:effectLst>
-                <a:latin typeface="Trebuchet MS" panose="020B0603020202020204" pitchFamily="34" charset="0"/>
-                <a:ea typeface="PMingLiU" pitchFamily="18" charset="-120"/>
-              </a:rPr>
-              <a:t>?</a:t>
-            </a:r>
-          </a:p>
-          <a:p>
-            <a:pPr marL="0" indent="0"/>
+              <a:t>required</a:t>
+            </a:r>
             <a:endParaRPr lang="en-US" altLang="zh-TW" sz="4600" dirty="0" smtClean="0">
               <a:effectLst>
                 <a:outerShdw blurRad="38100" dist="38100" dir="2700000" algn="tl">
@@ -6053,6 +5991,20 @@
             </a:endParaRPr>
           </a:p>
           <a:p>
+            <a:pPr marL="685800" lvl="2" indent="0"/>
+            <a:endParaRPr lang="en-US" altLang="zh-TW" sz="4600" dirty="0" smtClean="0">
+              <a:effectLst>
+                <a:outerShdw blurRad="38100" dist="38100" dir="2700000" algn="tl">
+                  <a:srgbClr val="000000">
+                    <a:alpha val="43137"/>
+                  </a:srgbClr>
+                </a:outerShdw>
+              </a:effectLst>
+              <a:latin typeface="Trebuchet MS" panose="020B0603020202020204" pitchFamily="34" charset="0"/>
+              <a:ea typeface="PMingLiU" pitchFamily="18" charset="-120"/>
+            </a:endParaRPr>
+          </a:p>
+          <a:p>
             <a:pPr>
               <a:buFont typeface="Arial" charset="0"/>
               <a:buChar char="•"/>
@@ -6069,10 +6021,10 @@
                 <a:latin typeface="Trebuchet MS" panose="020B0603020202020204" pitchFamily="34" charset="0"/>
                 <a:ea typeface="PMingLiU" pitchFamily="18" charset="-120"/>
               </a:rPr>
-              <a:t>A big </a:t>
-            </a:r>
-            <a:r>
-              <a:rPr lang="en-US" altLang="zh-TW" sz="4600" b="1" dirty="0" smtClean="0">
+              <a:t>A </a:t>
+            </a:r>
+            <a:r>
+              <a:rPr lang="en-US" altLang="zh-TW" sz="4600" dirty="0" smtClean="0">
                 <a:effectLst>
                   <a:outerShdw blurRad="38100" dist="38100" dir="2700000" algn="tl">
                     <a:srgbClr val="000000">
@@ -6083,10 +6035,10 @@
                 <a:latin typeface="Trebuchet MS" panose="020B0603020202020204" pitchFamily="34" charset="0"/>
                 <a:ea typeface="PMingLiU" pitchFamily="18" charset="-120"/>
               </a:rPr>
-              <a:t>privacy</a:t>
-            </a:r>
-            <a:r>
-              <a:rPr lang="en-US" altLang="zh-TW" sz="4600" dirty="0" smtClean="0">
+              <a:t>big </a:t>
+            </a:r>
+            <a:r>
+              <a:rPr lang="en-US" altLang="zh-TW" sz="4600" b="1" dirty="0" smtClean="0">
                 <a:effectLst>
                   <a:outerShdw blurRad="38100" dist="38100" dir="2700000" algn="tl">
                     <a:srgbClr val="000000">
@@ -6097,7 +6049,35 @@
                 <a:latin typeface="Trebuchet MS" panose="020B0603020202020204" pitchFamily="34" charset="0"/>
                 <a:ea typeface="PMingLiU" pitchFamily="18" charset="-120"/>
               </a:rPr>
-              <a:t> issue  inside the accelerometer</a:t>
+              <a:t>privacy</a:t>
+            </a:r>
+            <a:r>
+              <a:rPr lang="en-US" altLang="zh-TW" sz="4600" dirty="0" smtClean="0">
+                <a:effectLst>
+                  <a:outerShdw blurRad="38100" dist="38100" dir="2700000" algn="tl">
+                    <a:srgbClr val="000000">
+                      <a:alpha val="43137"/>
+                    </a:srgbClr>
+                  </a:outerShdw>
+                </a:effectLst>
+                <a:latin typeface="Trebuchet MS" panose="020B0603020202020204" pitchFamily="34" charset="0"/>
+                <a:ea typeface="PMingLiU" pitchFamily="18" charset="-120"/>
+              </a:rPr>
+              <a:t> </a:t>
+            </a:r>
+            <a:r>
+              <a:rPr lang="en-US" altLang="zh-TW" sz="4600" dirty="0" smtClean="0">
+                <a:effectLst>
+                  <a:outerShdw blurRad="38100" dist="38100" dir="2700000" algn="tl">
+                    <a:srgbClr val="000000">
+                      <a:alpha val="43137"/>
+                    </a:srgbClr>
+                  </a:outerShdw>
+                </a:effectLst>
+                <a:latin typeface="Trebuchet MS" panose="020B0603020202020204" pitchFamily="34" charset="0"/>
+                <a:ea typeface="PMingLiU" pitchFamily="18" charset="-120"/>
+              </a:rPr>
+              <a:t>issue</a:t>
             </a:r>
           </a:p>
           <a:p>
@@ -6117,61 +6097,7 @@
                 <a:latin typeface="Trebuchet MS" panose="020B0603020202020204" pitchFamily="34" charset="0"/>
                 <a:ea typeface="PMingLiU" pitchFamily="18" charset="-120"/>
               </a:rPr>
-              <a:t>How much data we can </a:t>
-            </a:r>
-            <a:br>
-              <a:rPr lang="en-US" altLang="zh-TW" sz="4600" dirty="0" smtClean="0">
-                <a:effectLst>
-                  <a:outerShdw blurRad="38100" dist="38100" dir="2700000" algn="tl">
-                    <a:srgbClr val="000000">
-                      <a:alpha val="43137"/>
-                    </a:srgbClr>
-                  </a:outerShdw>
-                </a:effectLst>
-                <a:latin typeface="Trebuchet MS" panose="020B0603020202020204" pitchFamily="34" charset="0"/>
-                <a:ea typeface="PMingLiU" pitchFamily="18" charset="-120"/>
-              </a:rPr>
-            </a:br>
-            <a:r>
-              <a:rPr lang="en-US" altLang="zh-TW" sz="4600" dirty="0" smtClean="0">
-                <a:effectLst>
-                  <a:outerShdw blurRad="38100" dist="38100" dir="2700000" algn="tl">
-                    <a:srgbClr val="000000">
-                      <a:alpha val="43137"/>
-                    </a:srgbClr>
-                  </a:outerShdw>
-                </a:effectLst>
-                <a:latin typeface="Trebuchet MS" panose="020B0603020202020204" pitchFamily="34" charset="0"/>
-                <a:ea typeface="PMingLiU" pitchFamily="18" charset="-120"/>
-              </a:rPr>
-              <a:t>give out before exploit </a:t>
-            </a:r>
-            <a:br>
-              <a:rPr lang="en-US" altLang="zh-TW" sz="4600" dirty="0" smtClean="0">
-                <a:effectLst>
-                  <a:outerShdw blurRad="38100" dist="38100" dir="2700000" algn="tl">
-                    <a:srgbClr val="000000">
-                      <a:alpha val="43137"/>
-                    </a:srgbClr>
-                  </a:outerShdw>
-                </a:effectLst>
-                <a:latin typeface="Trebuchet MS" panose="020B0603020202020204" pitchFamily="34" charset="0"/>
-                <a:ea typeface="PMingLiU" pitchFamily="18" charset="-120"/>
-              </a:rPr>
-            </a:br>
-            <a:r>
-              <a:rPr lang="en-US" altLang="zh-TW" sz="4600" dirty="0" smtClean="0">
-                <a:effectLst>
-                  <a:outerShdw blurRad="38100" dist="38100" dir="2700000" algn="tl">
-                    <a:srgbClr val="000000">
-                      <a:alpha val="43137"/>
-                    </a:srgbClr>
-                  </a:outerShdw>
-                </a:effectLst>
-                <a:latin typeface="Trebuchet MS" panose="020B0603020202020204" pitchFamily="34" charset="0"/>
-                <a:ea typeface="PMingLiU" pitchFamily="18" charset="-120"/>
-              </a:rPr>
-              <a:t>who we are</a:t>
+              <a:t>Is identification possible without leaking trajectory data?</a:t>
             </a:r>
           </a:p>
           <a:p>
@@ -6191,9 +6117,9 @@
                 <a:latin typeface="Trebuchet MS" panose="020B0603020202020204" pitchFamily="34" charset="0"/>
                 <a:ea typeface="PMingLiU" pitchFamily="18" charset="-120"/>
               </a:rPr>
-              <a:t>How to prevent such leaking</a:t>
-            </a:r>
-            <a:endParaRPr lang="en-US" altLang="zh-TW" sz="4600" dirty="0">
+              <a:t>Use some statistics of the trajectory data, like hash of fingerprint in A7 chip</a:t>
+            </a:r>
+            <a:endParaRPr lang="en-US" altLang="zh-TW" sz="4600" dirty="0" smtClean="0">
               <a:effectLst>
                 <a:outerShdw blurRad="38100" dist="38100" dir="2700000" algn="tl">
                   <a:srgbClr val="000000">
@@ -6284,8 +6210,8 @@
         </p:nvSpPr>
         <p:spPr bwMode="auto">
           <a:xfrm>
-            <a:off x="685800" y="31241999"/>
-            <a:ext cx="12877800" cy="3540919"/>
+            <a:off x="685800" y="25984201"/>
+            <a:ext cx="12877800" cy="8798718"/>
           </a:xfrm>
           <a:prstGeom prst="rect">
             <a:avLst/>
@@ -6426,8 +6352,8 @@
         </p:nvSpPr>
         <p:spPr bwMode="auto">
           <a:xfrm>
-            <a:off x="685800" y="31206281"/>
-            <a:ext cx="12496800" cy="3693319"/>
+            <a:off x="914400" y="26136600"/>
+            <a:ext cx="12496800" cy="8525411"/>
           </a:xfrm>
           <a:prstGeom prst="rect">
             <a:avLst/>
@@ -6583,7 +6509,7 @@
                 <a:latin typeface="Trebuchet MS" panose="020B0603020202020204" pitchFamily="34" charset="0"/>
                 <a:ea typeface="PMingLiU" pitchFamily="18" charset="-120"/>
               </a:rPr>
-              <a:t>Acknowledgement </a:t>
+              <a:t>Data set</a:t>
             </a:r>
             <a:endParaRPr lang="en-US" altLang="zh-TW" sz="6600" b="1" dirty="0" smtClean="0">
               <a:solidFill>
@@ -6633,10 +6559,10 @@
                 <a:latin typeface="Trebuchet MS" panose="020B0603020202020204" pitchFamily="34" charset="0"/>
                 <a:ea typeface="PMingLiU" pitchFamily="18" charset="-120"/>
               </a:rPr>
-              <a:t>Accelerometer data for this project is provided by </a:t>
-            </a:r>
-            <a:r>
-              <a:rPr lang="en-US" altLang="zh-TW" sz="4400" dirty="0" err="1" smtClean="0">
+              <a:t>Dataset </a:t>
+            </a:r>
+            <a:r>
+              <a:rPr lang="en-US" altLang="zh-TW" sz="4400" dirty="0">
                 <a:effectLst>
                   <a:outerShdw blurRad="38100" dist="38100" dir="2700000" algn="tl">
                     <a:srgbClr val="000000">
@@ -6647,10 +6573,10 @@
                 <a:latin typeface="Trebuchet MS" panose="020B0603020202020204" pitchFamily="34" charset="0"/>
                 <a:ea typeface="PMingLiU" pitchFamily="18" charset="-120"/>
               </a:rPr>
-              <a:t>Kaggle</a:t>
-            </a:r>
-            <a:r>
-              <a:rPr lang="en-US" altLang="zh-TW" sz="4400" dirty="0" smtClean="0">
+              <a:t>from the </a:t>
+            </a:r>
+            <a:r>
+              <a:rPr lang="en-US" altLang="zh-TW" sz="4400" dirty="0" err="1">
                 <a:effectLst>
                   <a:outerShdw blurRad="38100" dist="38100" dir="2700000" algn="tl">
                     <a:srgbClr val="000000">
@@ -6661,9 +6587,194 @@
                 <a:latin typeface="Trebuchet MS" panose="020B0603020202020204" pitchFamily="34" charset="0"/>
                 <a:ea typeface="PMingLiU" pitchFamily="18" charset="-120"/>
               </a:rPr>
-              <a:t> predictive modeling competition.  </a:t>
-            </a:r>
-            <a:endParaRPr lang="en-US" altLang="zh-TW" sz="4400" dirty="0">
+              <a:t>Kaggle</a:t>
+            </a:r>
+            <a:r>
+              <a:rPr lang="en-US" altLang="zh-TW" sz="4400" dirty="0">
+                <a:effectLst>
+                  <a:outerShdw blurRad="38100" dist="38100" dir="2700000" algn="tl">
+                    <a:srgbClr val="000000">
+                      <a:alpha val="43137"/>
+                    </a:srgbClr>
+                  </a:outerShdw>
+                </a:effectLst>
+                <a:latin typeface="Trebuchet MS" panose="020B0603020202020204" pitchFamily="34" charset="0"/>
+                <a:ea typeface="PMingLiU" pitchFamily="18" charset="-120"/>
+              </a:rPr>
+              <a:t> competition “Accelerometer Biometric Competition</a:t>
+            </a:r>
+            <a:r>
+              <a:rPr lang="en-US" altLang="zh-TW" sz="4400" dirty="0" smtClean="0">
+                <a:effectLst>
+                  <a:outerShdw blurRad="38100" dist="38100" dir="2700000" algn="tl">
+                    <a:srgbClr val="000000">
+                      <a:alpha val="43137"/>
+                    </a:srgbClr>
+                  </a:outerShdw>
+                </a:effectLst>
+                <a:latin typeface="Trebuchet MS" panose="020B0603020202020204" pitchFamily="34" charset="0"/>
+                <a:ea typeface="PMingLiU" pitchFamily="18" charset="-120"/>
+              </a:rPr>
+              <a:t>”.</a:t>
+            </a:r>
+          </a:p>
+          <a:p>
+            <a:pPr marL="685800" indent="-685800">
+              <a:buFont typeface="Arial" panose="020B0300000000000000" pitchFamily="34" charset="0"/>
+              <a:buChar char="•"/>
+            </a:pPr>
+            <a:r>
+              <a:rPr lang="en-US" altLang="zh-TW" sz="4400" dirty="0" smtClean="0">
+                <a:effectLst>
+                  <a:outerShdw blurRad="38100" dist="38100" dir="2700000" algn="tl">
+                    <a:srgbClr val="000000">
+                      <a:alpha val="43137"/>
+                    </a:srgbClr>
+                  </a:outerShdw>
+                </a:effectLst>
+                <a:latin typeface="Trebuchet MS" panose="020B0603020202020204" pitchFamily="34" charset="0"/>
+                <a:ea typeface="PMingLiU" pitchFamily="18" charset="-120"/>
+              </a:rPr>
+              <a:t>387 long training sequences from 387 devices (users).</a:t>
+            </a:r>
+          </a:p>
+          <a:p>
+            <a:pPr marL="685800" indent="-685800">
+              <a:buFont typeface="Arial" panose="020B0300000000000000" pitchFamily="34" charset="0"/>
+              <a:buChar char="•"/>
+            </a:pPr>
+            <a:r>
+              <a:rPr lang="en-US" altLang="zh-TW" sz="4400" dirty="0" smtClean="0">
+                <a:effectLst>
+                  <a:outerShdw blurRad="38100" dist="38100" dir="2700000" algn="tl">
+                    <a:srgbClr val="000000">
+                      <a:alpha val="43137"/>
+                    </a:srgbClr>
+                  </a:outerShdw>
+                </a:effectLst>
+                <a:latin typeface="Trebuchet MS" panose="020B0603020202020204" pitchFamily="34" charset="0"/>
+                <a:ea typeface="PMingLiU" pitchFamily="18" charset="-120"/>
+              </a:rPr>
+              <a:t>90024 short testing sequences each with a proposed label X.</a:t>
+            </a:r>
+          </a:p>
+          <a:p>
+            <a:pPr marL="685800" lvl="3" indent="-685800">
+              <a:buFont typeface="Arial" panose="020B0300000000000000" pitchFamily="34" charset="0"/>
+              <a:buChar char="•"/>
+            </a:pPr>
+            <a:r>
+              <a:rPr lang="en-US" altLang="zh-CN" sz="4700" dirty="0">
+                <a:effectLst>
+                  <a:outerShdw blurRad="38100" dist="38100" dir="2700000" algn="tl">
+                    <a:srgbClr val="000000">
+                      <a:alpha val="43137"/>
+                    </a:srgbClr>
+                  </a:outerShdw>
+                </a:effectLst>
+                <a:latin typeface="Trebuchet MS" panose="020B0603020202020204" pitchFamily="34" charset="0"/>
+                <a:ea typeface="PMingLiU" pitchFamily="18" charset="-120"/>
+                <a:cs typeface="Calibri" pitchFamily="34" charset="0"/>
+              </a:rPr>
+              <a:t>Given a </a:t>
+            </a:r>
+            <a:r>
+              <a:rPr lang="en-US" altLang="zh-CN" sz="4700" dirty="0" smtClean="0">
+                <a:effectLst>
+                  <a:outerShdw blurRad="38100" dist="38100" dir="2700000" algn="tl">
+                    <a:srgbClr val="000000">
+                      <a:alpha val="43137"/>
+                    </a:srgbClr>
+                  </a:outerShdw>
+                </a:effectLst>
+                <a:latin typeface="Trebuchet MS" panose="020B0603020202020204" pitchFamily="34" charset="0"/>
+                <a:ea typeface="PMingLiU" pitchFamily="18" charset="-120"/>
+                <a:cs typeface="Calibri" pitchFamily="34" charset="0"/>
+              </a:rPr>
+              <a:t>testing sequence and the X, </a:t>
+            </a:r>
+            <a:r>
+              <a:rPr lang="en-US" altLang="zh-CN" sz="4700" dirty="0">
+                <a:effectLst>
+                  <a:outerShdw blurRad="38100" dist="38100" dir="2700000" algn="tl">
+                    <a:srgbClr val="000000">
+                      <a:alpha val="43137"/>
+                    </a:srgbClr>
+                  </a:outerShdw>
+                </a:effectLst>
+                <a:latin typeface="Trebuchet MS" panose="020B0603020202020204" pitchFamily="34" charset="0"/>
+                <a:ea typeface="PMingLiU" pitchFamily="18" charset="-120"/>
+                <a:cs typeface="Calibri" pitchFamily="34" charset="0"/>
+              </a:rPr>
+              <a:t>give a belief about if X is the real label</a:t>
+            </a:r>
+            <a:r>
+              <a:rPr lang="en-US" altLang="zh-CN" sz="4700" dirty="0" smtClean="0">
+                <a:effectLst>
+                  <a:outerShdw blurRad="38100" dist="38100" dir="2700000" algn="tl">
+                    <a:srgbClr val="000000">
+                      <a:alpha val="43137"/>
+                    </a:srgbClr>
+                  </a:outerShdw>
+                </a:effectLst>
+                <a:latin typeface="Trebuchet MS" panose="020B0603020202020204" pitchFamily="34" charset="0"/>
+                <a:ea typeface="PMingLiU" pitchFamily="18" charset="-120"/>
+                <a:cs typeface="Calibri" pitchFamily="34" charset="0"/>
+              </a:rPr>
+              <a:t>.</a:t>
+            </a:r>
+          </a:p>
+          <a:p>
+            <a:pPr marL="685800" lvl="3" indent="-685800">
+              <a:buFont typeface="Arial" panose="020B0300000000000000" pitchFamily="34" charset="0"/>
+              <a:buChar char="•"/>
+            </a:pPr>
+            <a:r>
+              <a:rPr lang="en-US" altLang="zh-CN" sz="4700" dirty="0" smtClean="0">
+                <a:effectLst>
+                  <a:outerShdw blurRad="38100" dist="38100" dir="2700000" algn="tl">
+                    <a:srgbClr val="000000">
+                      <a:alpha val="43137"/>
+                    </a:srgbClr>
+                  </a:outerShdw>
+                </a:effectLst>
+                <a:latin typeface="Trebuchet MS" panose="020B0603020202020204" pitchFamily="34" charset="0"/>
+                <a:ea typeface="PMingLiU" pitchFamily="18" charset="-120"/>
+                <a:cs typeface="Calibri" pitchFamily="34" charset="0"/>
+              </a:rPr>
+              <a:t>Performance evaluated in area </a:t>
+            </a:r>
+            <a:r>
+              <a:rPr lang="en-US" altLang="zh-CN" sz="4700" dirty="0">
+                <a:effectLst>
+                  <a:outerShdw blurRad="38100" dist="38100" dir="2700000" algn="tl">
+                    <a:srgbClr val="000000">
+                      <a:alpha val="43137"/>
+                    </a:srgbClr>
+                  </a:outerShdw>
+                </a:effectLst>
+                <a:latin typeface="Trebuchet MS" panose="020B0603020202020204" pitchFamily="34" charset="0"/>
+                <a:ea typeface="PMingLiU" pitchFamily="18" charset="-120"/>
+                <a:cs typeface="Calibri" pitchFamily="34" charset="0"/>
+              </a:rPr>
+              <a:t>under the ROC </a:t>
+            </a:r>
+            <a:r>
+              <a:rPr lang="en-US" altLang="zh-CN" sz="4700" dirty="0" smtClean="0">
+                <a:effectLst>
+                  <a:outerShdw blurRad="38100" dist="38100" dir="2700000" algn="tl">
+                    <a:srgbClr val="000000">
+                      <a:alpha val="43137"/>
+                    </a:srgbClr>
+                  </a:outerShdw>
+                </a:effectLst>
+                <a:latin typeface="Trebuchet MS" panose="020B0603020202020204" pitchFamily="34" charset="0"/>
+                <a:ea typeface="PMingLiU" pitchFamily="18" charset="-120"/>
+                <a:cs typeface="Calibri" pitchFamily="34" charset="0"/>
+              </a:rPr>
+              <a:t>curve.</a:t>
+            </a:r>
+            <a:endParaRPr lang="en-US" altLang="zh-TW" sz="4700" dirty="0">
               <a:effectLst>
                 <a:outerShdw blurRad="38100" dist="38100" dir="2700000" algn="tl">
                   <a:srgbClr val="000000">
@@ -6673,6 +6784,7 @@
               </a:effectLst>
               <a:latin typeface="Trebuchet MS" panose="020B0603020202020204" pitchFamily="34" charset="0"/>
               <a:ea typeface="PMingLiU" pitchFamily="18" charset="-120"/>
+              <a:cs typeface="Calibri" pitchFamily="34" charset="0"/>
             </a:endParaRPr>
           </a:p>
         </p:txBody>
@@ -6688,7 +6800,7 @@
         <p:spPr bwMode="auto">
           <a:xfrm>
             <a:off x="14173200" y="5810369"/>
-            <a:ext cx="12573000" cy="11264621"/>
+            <a:ext cx="12573000" cy="8694688"/>
           </a:xfrm>
           <a:prstGeom prst="rect">
             <a:avLst/>
@@ -6880,7 +6992,7 @@
                 <a:ea typeface="PMingLiU" pitchFamily="18" charset="-120"/>
                 <a:cs typeface="Calibri" pitchFamily="34" charset="0"/>
               </a:rPr>
-              <a:t>Preprocess</a:t>
+              <a:t>Preprocessing</a:t>
             </a:r>
             <a:endParaRPr lang="en-US" altLang="zh-TW" sz="4700" dirty="0">
               <a:effectLst>
@@ -6915,55 +7027,7 @@
               </a:rPr>
               <a:t>Segmentation</a:t>
             </a:r>
-          </a:p>
-          <a:p>
-            <a:pPr marL="1463040" lvl="2" indent="0"/>
-            <a:r>
-              <a:rPr lang="en-US" altLang="zh-TW" sz="4000" dirty="0">
-                <a:effectLst>
-                  <a:outerShdw blurRad="38100" dist="38100" dir="2700000" algn="tl">
-                    <a:srgbClr val="000000">
-                      <a:alpha val="43137"/>
-                    </a:srgbClr>
-                  </a:outerShdw>
-                </a:effectLst>
-                <a:latin typeface="Trebuchet MS" panose="020B0603020202020204" pitchFamily="34" charset="0"/>
-                <a:ea typeface="PMingLiU" pitchFamily="18" charset="-120"/>
-                <a:cs typeface="Calibri" pitchFamily="34" charset="0"/>
-              </a:rPr>
-              <a:t>A</a:t>
-            </a:r>
-            <a:r>
-              <a:rPr lang="en-US" altLang="zh-TW" sz="4000" dirty="0" smtClean="0">
-                <a:effectLst>
-                  <a:outerShdw blurRad="38100" dist="38100" dir="2700000" algn="tl">
-                    <a:srgbClr val="000000">
-                      <a:alpha val="43137"/>
-                    </a:srgbClr>
-                  </a:outerShdw>
-                </a:effectLst>
-                <a:latin typeface="Trebuchet MS" panose="020B0603020202020204" pitchFamily="34" charset="0"/>
-                <a:ea typeface="PMingLiU" pitchFamily="18" charset="-120"/>
-                <a:cs typeface="Calibri" pitchFamily="34" charset="0"/>
-              </a:rPr>
-              <a:t>djacent s</a:t>
-            </a:r>
-            <a:r>
-              <a:rPr lang="en-US" altLang="zh-TW" sz="4000" dirty="0" smtClean="0">
-                <a:effectLst>
-                  <a:outerShdw blurRad="38100" dist="38100" dir="2700000" algn="tl">
-                    <a:srgbClr val="000000">
-                      <a:alpha val="43137"/>
-                    </a:srgbClr>
-                  </a:outerShdw>
-                </a:effectLst>
-                <a:latin typeface="Trebuchet MS" panose="020B0603020202020204" pitchFamily="34" charset="0"/>
-                <a:ea typeface="PMingLiU" pitchFamily="18" charset="-120"/>
-                <a:cs typeface="Calibri" pitchFamily="34" charset="0"/>
-              </a:rPr>
-              <a:t>ample points</a:t>
-            </a:r>
-            <a:endParaRPr lang="en-US" altLang="zh-TW" sz="4000" dirty="0">
+            <a:endParaRPr lang="en-US" altLang="zh-TW" sz="4300" dirty="0" smtClean="0">
               <a:effectLst>
                 <a:outerShdw blurRad="38100" dist="38100" dir="2700000" algn="tl">
                   <a:srgbClr val="000000">
@@ -6977,72 +7041,12 @@
             </a:endParaRPr>
           </a:p>
           <a:p>
-            <a:pPr marL="1463040" lvl="2" indent="0"/>
-            <a:r>
-              <a:rPr lang="en-US" altLang="zh-TW" sz="4000" dirty="0" smtClean="0">
-                <a:effectLst>
-                  <a:outerShdw blurRad="38100" dist="38100" dir="2700000" algn="tl">
-                    <a:srgbClr val="000000">
-                      <a:alpha val="43137"/>
-                    </a:srgbClr>
-                  </a:outerShdw>
-                </a:effectLst>
-                <a:latin typeface="Trebuchet MS" panose="020B0603020202020204" pitchFamily="34" charset="0"/>
-                <a:ea typeface="PMingLiU" pitchFamily="18" charset="-120"/>
-                <a:cs typeface="Calibri" pitchFamily="34" charset="0"/>
-              </a:rPr>
-              <a:t>with time difference</a:t>
-            </a:r>
-            <a:endParaRPr lang="en-US" altLang="zh-TW" sz="4000" dirty="0">
-              <a:effectLst>
-                <a:outerShdw blurRad="38100" dist="38100" dir="2700000" algn="tl">
-                  <a:srgbClr val="000000">
-                    <a:alpha val="43137"/>
-                  </a:srgbClr>
-                </a:outerShdw>
-              </a:effectLst>
-              <a:latin typeface="Trebuchet MS" panose="020B0603020202020204" pitchFamily="34" charset="0"/>
-              <a:ea typeface="PMingLiU" pitchFamily="18" charset="-120"/>
-              <a:cs typeface="Calibri" pitchFamily="34" charset="0"/>
-            </a:endParaRPr>
-          </a:p>
-          <a:p>
-            <a:pPr marL="1463040" lvl="2" indent="0"/>
-            <a:r>
-              <a:rPr lang="en-US" altLang="zh-TW" sz="4000" dirty="0" smtClean="0">
-                <a:effectLst>
-                  <a:outerShdw blurRad="38100" dist="38100" dir="2700000" algn="tl">
-                    <a:srgbClr val="000000">
-                      <a:alpha val="43137"/>
-                    </a:srgbClr>
-                  </a:outerShdw>
-                </a:effectLst>
-                <a:latin typeface="Trebuchet MS" panose="020B0603020202020204" pitchFamily="34" charset="0"/>
-                <a:ea typeface="PMingLiU" pitchFamily="18" charset="-120"/>
-                <a:cs typeface="Calibri" pitchFamily="34" charset="0"/>
-              </a:rPr>
-              <a:t>larger than 10s are segmented</a:t>
-            </a:r>
-            <a:endParaRPr lang="en-US" altLang="zh-TW" sz="4400" dirty="0" smtClean="0">
-              <a:effectLst>
-                <a:outerShdw blurRad="38100" dist="38100" dir="2700000" algn="tl">
-                  <a:srgbClr val="000000">
-                    <a:alpha val="43137"/>
-                  </a:srgbClr>
-                </a:outerShdw>
-              </a:effectLst>
-              <a:latin typeface="Trebuchet MS" panose="020B0603020202020204" pitchFamily="34" charset="0"/>
-              <a:ea typeface="PMingLiU" pitchFamily="18" charset="-120"/>
-              <a:cs typeface="Calibri" pitchFamily="34" charset="0"/>
-            </a:endParaRPr>
-          </a:p>
-          <a:p>
             <a:pPr lvl="2">
               <a:buFont typeface="Arial" charset="0"/>
               <a:buChar char="•"/>
             </a:pPr>
             <a:r>
-              <a:rPr lang="en-US" altLang="zh-TW" sz="4300" dirty="0">
+              <a:rPr lang="en-US" altLang="zh-TW" sz="4300" dirty="0" smtClean="0">
                 <a:effectLst>
                   <a:outerShdw blurRad="38100" dist="38100" dir="2700000" algn="tl">
                     <a:srgbClr val="000000">
@@ -7054,13 +7058,10 @@
                 <a:ea typeface="PMingLiU" pitchFamily="18" charset="-120"/>
                 <a:cs typeface="Calibri" pitchFamily="34" charset="0"/>
               </a:rPr>
-              <a:t>Re-sampling</a:t>
-            </a:r>
-          </a:p>
-          <a:p>
-            <a:pPr marL="1463040" lvl="2" indent="0"/>
-            <a:r>
-              <a:rPr lang="en-US" altLang="zh-TW" sz="4000" dirty="0">
+              <a:t>Re</a:t>
+            </a:r>
+            <a:r>
+              <a:rPr lang="en-US" altLang="zh-TW" sz="4300" dirty="0">
                 <a:effectLst>
                   <a:outerShdw blurRad="38100" dist="38100" dir="2700000" algn="tl">
                     <a:srgbClr val="000000">
@@ -7072,10 +7073,10 @@
                 <a:ea typeface="PMingLiU" pitchFamily="18" charset="-120"/>
                 <a:cs typeface="Calibri" pitchFamily="34" charset="0"/>
               </a:rPr>
-              <a:t>Uniformly re-sampling each sequence with fixed time </a:t>
-            </a:r>
-            <a:r>
-              <a:rPr lang="en-US" altLang="zh-TW" sz="4000" dirty="0" smtClean="0">
+              <a:t>-</a:t>
+            </a:r>
+            <a:r>
+              <a:rPr lang="en-US" altLang="zh-TW" sz="4300" dirty="0" smtClean="0">
                 <a:effectLst>
                   <a:outerShdw blurRad="38100" dist="38100" dir="2700000" algn="tl">
                     <a:srgbClr val="000000">
@@ -7087,7 +7088,7 @@
                 <a:ea typeface="PMingLiU" pitchFamily="18" charset="-120"/>
                 <a:cs typeface="Calibri" pitchFamily="34" charset="0"/>
               </a:rPr>
-              <a:t>interval</a:t>
+              <a:t>sampling</a:t>
             </a:r>
           </a:p>
           <a:p>
@@ -7096,7 +7097,7 @@
               <a:buChar char="•"/>
             </a:pPr>
             <a:r>
-              <a:rPr lang="en-US" altLang="zh-TW" sz="4700" dirty="0">
+              <a:rPr lang="en-US" altLang="zh-TW" sz="4700" dirty="0" smtClean="0">
                 <a:effectLst>
                   <a:outerShdw blurRad="38100" dist="38100" dir="2700000" algn="tl">
                     <a:srgbClr val="000000">
@@ -7110,18 +7111,6 @@
               </a:rPr>
               <a:t>Features</a:t>
             </a:r>
-            <a:endParaRPr lang="en-US" altLang="zh-TW" sz="4700" dirty="0">
-              <a:effectLst>
-                <a:outerShdw blurRad="38100" dist="38100" dir="2700000" algn="tl">
-                  <a:srgbClr val="000000">
-                    <a:alpha val="43137"/>
-                  </a:srgbClr>
-                </a:outerShdw>
-              </a:effectLst>
-              <a:latin typeface="Trebuchet MS" panose="020B0603020202020204" pitchFamily="34" charset="0"/>
-              <a:ea typeface="PMingLiU" pitchFamily="18" charset="-120"/>
-              <a:cs typeface="Calibri" pitchFamily="34" charset="0"/>
-            </a:endParaRPr>
           </a:p>
           <a:p>
             <a:pPr lvl="2">
@@ -7129,7 +7118,7 @@
               <a:buChar char="•"/>
             </a:pPr>
             <a:r>
-              <a:rPr lang="en-US" altLang="zh-TW" sz="4300" dirty="0">
+              <a:rPr lang="en-US" altLang="zh-TW" sz="4300" dirty="0" smtClean="0">
                 <a:effectLst>
                   <a:outerShdw blurRad="38100" dist="38100" dir="2700000" algn="tl">
                     <a:srgbClr val="000000">
@@ -7141,7 +7130,7 @@
                 <a:ea typeface="PMingLiU" pitchFamily="18" charset="-120"/>
                 <a:cs typeface="Calibri" pitchFamily="34" charset="0"/>
               </a:rPr>
-              <a:t>Frequency domain </a:t>
+              <a:t>FFT</a:t>
             </a:r>
             <a:r>
               <a:rPr lang="en-US" altLang="zh-TW" sz="4300" dirty="0" smtClean="0">
@@ -7156,7 +7145,7 @@
                 <a:ea typeface="PMingLiU" pitchFamily="18" charset="-120"/>
                 <a:cs typeface="Calibri" pitchFamily="34" charset="0"/>
               </a:rPr>
-              <a:t>features (FFT)</a:t>
+              <a:t> of resampled readings</a:t>
             </a:r>
             <a:endParaRPr lang="en-US" altLang="zh-TW" sz="4300" dirty="0">
               <a:effectLst>
@@ -7177,7 +7166,7 @@
               <a:buChar char="•"/>
             </a:pPr>
             <a:r>
-              <a:rPr lang="en-US" altLang="zh-TW" sz="4300" dirty="0">
+              <a:rPr lang="en-US" altLang="zh-TW" sz="4300" dirty="0" smtClean="0">
                 <a:effectLst>
                   <a:outerShdw blurRad="38100" dist="38100" dir="2700000" algn="tl">
                     <a:srgbClr val="000000">
@@ -7189,7 +7178,28 @@
                 <a:ea typeface="PMingLiU" pitchFamily="18" charset="-120"/>
                 <a:cs typeface="Calibri" pitchFamily="34" charset="0"/>
               </a:rPr>
-              <a:t>Statistic features</a:t>
+              <a:t>Statistics from resampled readings</a:t>
+            </a:r>
+          </a:p>
+          <a:p>
+            <a:pPr lvl="2">
+              <a:buFont typeface="Arial" charset="0"/>
+              <a:buChar char="•"/>
+            </a:pPr>
+            <a:r>
+              <a:rPr lang="en-US" altLang="zh-TW" sz="4300" dirty="0" smtClean="0">
+                <a:effectLst>
+                  <a:outerShdw blurRad="38100" dist="38100" dir="2700000" algn="tl">
+                    <a:srgbClr val="000000">
+                      <a:alpha val="43137"/>
+                    </a:srgbClr>
+                  </a:outerShdw>
+                </a:effectLst>
+                <a:latin typeface="Trebuchet MS" panose="020B0603020202020204" pitchFamily="34" charset="0"/>
+                <a:ea typeface="PMingLiU" pitchFamily="18" charset="-120"/>
+                <a:cs typeface="Calibri" pitchFamily="34" charset="0"/>
+              </a:rPr>
+              <a:t>Statistics from raw readings (depends on type of device, a little hack)</a:t>
             </a:r>
             <a:endParaRPr lang="en-US" altLang="zh-TW" sz="4300" dirty="0">
               <a:effectLst>
@@ -7231,7 +7241,7 @@
               <a:buChar char="•"/>
             </a:pPr>
             <a:r>
-              <a:rPr lang="en-US" altLang="zh-TW" sz="4300" dirty="0">
+              <a:rPr lang="en-US" altLang="zh-TW" sz="4300" dirty="0" smtClean="0">
                 <a:effectLst>
                   <a:outerShdw blurRad="38100" dist="38100" dir="2700000" algn="tl">
                     <a:srgbClr val="000000">
@@ -7243,7 +7253,7 @@
                 <a:ea typeface="PMingLiU" pitchFamily="18" charset="-120"/>
                 <a:cs typeface="Calibri" pitchFamily="34" charset="0"/>
               </a:rPr>
-              <a:t>k-</a:t>
+              <a:t>SVM </a:t>
             </a:r>
             <a:r>
               <a:rPr lang="en-US" altLang="zh-TW" sz="4300" dirty="0">
@@ -7258,16 +7268,10 @@
                 <a:ea typeface="PMingLiU" pitchFamily="18" charset="-120"/>
                 <a:cs typeface="Calibri" pitchFamily="34" charset="0"/>
               </a:rPr>
-              <a:t>NN</a:t>
-            </a:r>
-          </a:p>
-          <a:p>
-            <a:pPr lvl="2">
-              <a:buFont typeface="Arial" charset="0"/>
-              <a:buChar char="•"/>
-            </a:pPr>
-            <a:r>
-              <a:rPr lang="en-US" altLang="zh-TW" sz="4300" dirty="0">
+              <a:t>with RBF </a:t>
+            </a:r>
+            <a:r>
+              <a:rPr lang="en-US" altLang="zh-TW" sz="4300" dirty="0" smtClean="0">
                 <a:effectLst>
                   <a:outerShdw blurRad="38100" dist="38100" dir="2700000" algn="tl">
                     <a:srgbClr val="000000">
@@ -7279,8 +7283,20 @@
                 <a:ea typeface="PMingLiU" pitchFamily="18" charset="-120"/>
                 <a:cs typeface="Calibri" pitchFamily="34" charset="0"/>
               </a:rPr>
-              <a:t>SVM with RBF kernel</a:t>
-            </a:r>
+              <a:t>kernel</a:t>
+            </a:r>
+            <a:endParaRPr lang="en-US" altLang="zh-TW" sz="4300" dirty="0">
+              <a:effectLst>
+                <a:outerShdw blurRad="38100" dist="38100" dir="2700000" algn="tl">
+                  <a:srgbClr val="000000">
+                    <a:alpha val="43137"/>
+                  </a:srgbClr>
+                </a:outerShdw>
+              </a:effectLst>
+              <a:latin typeface="Trebuchet MS" panose="020B0603020202020204" pitchFamily="34" charset="0"/>
+              <a:ea typeface="PMingLiU" pitchFamily="18" charset="-120"/>
+              <a:cs typeface="Calibri" pitchFamily="34" charset="0"/>
+            </a:endParaRPr>
           </a:p>
           <a:p>
             <a:pPr lvl="2">
@@ -7345,8 +7361,8 @@
         </p:nvSpPr>
         <p:spPr bwMode="auto">
           <a:xfrm>
-            <a:off x="14020800" y="17221200"/>
-            <a:ext cx="12801600" cy="9982200"/>
+            <a:off x="14020800" y="15011400"/>
+            <a:ext cx="12801600" cy="14325600"/>
           </a:xfrm>
           <a:prstGeom prst="rect">
             <a:avLst/>
@@ -7487,8 +7503,8 @@
         </p:nvSpPr>
         <p:spPr bwMode="auto">
           <a:xfrm>
-            <a:off x="14173200" y="17221200"/>
-            <a:ext cx="12573000" cy="10325902"/>
+            <a:off x="14173200" y="15011400"/>
+            <a:ext cx="12573000" cy="15096440"/>
           </a:xfrm>
           <a:prstGeom prst="rect">
             <a:avLst/>
@@ -7664,7 +7680,7 @@
             </a:endParaRPr>
           </a:p>
           <a:p>
-            <a:endParaRPr lang="en-US" altLang="zh-TW" sz="800" b="1" dirty="0">
+            <a:endParaRPr lang="en-US" altLang="zh-TW" sz="800" b="1" dirty="0" smtClean="0">
               <a:solidFill>
                 <a:schemeClr val="accent2"/>
               </a:solidFill>
@@ -7686,7 +7702,7 @@
               <a:buChar char="•"/>
             </a:pPr>
             <a:r>
-              <a:rPr lang="en-US" altLang="zh-TW" sz="4700" dirty="0">
+              <a:rPr lang="en-US" altLang="zh-TW" sz="4700" dirty="0" smtClean="0">
                 <a:effectLst>
                   <a:outerShdw blurRad="38100" dist="38100" dir="2700000" algn="tl">
                     <a:srgbClr val="000000">
@@ -7698,7 +7714,7 @@
                 <a:ea typeface="PMingLiU" pitchFamily="18" charset="-120"/>
                 <a:cs typeface="Calibri" pitchFamily="34" charset="0"/>
               </a:rPr>
-              <a:t>Feature selection</a:t>
+              <a:t>Feature combination</a:t>
             </a:r>
           </a:p>
           <a:p>
@@ -7707,7 +7723,7 @@
               <a:buChar char="•"/>
             </a:pPr>
             <a:r>
-              <a:rPr lang="en-US" altLang="zh-TW" sz="4300" dirty="0">
+              <a:rPr lang="en-US" altLang="zh-TW" sz="4300" dirty="0" smtClean="0">
                 <a:effectLst>
                   <a:outerShdw blurRad="38100" dist="38100" dir="2700000" algn="tl">
                     <a:srgbClr val="000000">
@@ -7719,7 +7735,7 @@
                 <a:ea typeface="PMingLiU" pitchFamily="18" charset="-120"/>
                 <a:cs typeface="Calibri" pitchFamily="34" charset="0"/>
               </a:rPr>
-              <a:t>FFT + statistics (tend to be unsafe)</a:t>
+              <a:t>FFT + resampled + raw statistics (hack, maybe unsafe)</a:t>
             </a:r>
           </a:p>
           <a:p>
@@ -7740,16 +7756,31 @@
                 <a:ea typeface="PMingLiU" pitchFamily="18" charset="-120"/>
                 <a:cs typeface="Calibri" pitchFamily="34" charset="0"/>
               </a:rPr>
-              <a:t>Statistics only (safe)</a:t>
-            </a:r>
-          </a:p>
-          <a:p>
-            <a:pPr marL="457200" lvl="2" indent="-457200">
+              <a:t>r</a:t>
+            </a:r>
+            <a:r>
+              <a:rPr lang="en-US" altLang="zh-TW" sz="4300" dirty="0" smtClean="0">
+                <a:effectLst>
+                  <a:outerShdw blurRad="38100" dist="38100" dir="2700000" algn="tl">
+                    <a:srgbClr val="000000">
+                      <a:alpha val="43137"/>
+                    </a:srgbClr>
+                  </a:outerShdw>
+                </a:effectLst>
+                <a:latin typeface="Trebuchet MS" panose="020B0603020202020204" pitchFamily="34" charset="0"/>
+                <a:ea typeface="PMingLiU" pitchFamily="18" charset="-120"/>
+                <a:cs typeface="Calibri" pitchFamily="34" charset="0"/>
+              </a:rPr>
+              <a:t>esampled + raw statistics (hack, safe)</a:t>
+            </a:r>
+          </a:p>
+          <a:p>
+            <a:pPr marL="1371600" lvl="2" indent="-685800">
               <a:buFont typeface="Arial" charset="0"/>
               <a:buChar char="•"/>
             </a:pPr>
             <a:r>
-              <a:rPr lang="en-US" altLang="zh-CN" sz="4700" dirty="0">
+              <a:rPr lang="en-US" altLang="zh-TW" sz="4300" dirty="0">
                 <a:effectLst>
                   <a:outerShdw blurRad="38100" dist="38100" dir="2700000" algn="tl">
                     <a:srgbClr val="000000">
@@ -7761,19 +7792,10 @@
                 <a:ea typeface="PMingLiU" pitchFamily="18" charset="-120"/>
                 <a:cs typeface="Calibri" pitchFamily="34" charset="0"/>
               </a:rPr>
-              <a:t>Area under the ROC curve</a:t>
-            </a:r>
-          </a:p>
-          <a:p>
-            <a:pPr lvl="1">
-              <a:buFont typeface="Arial" charset="0"/>
-              <a:buChar char="•"/>
-            </a:pPr>
-            <a:r>
-              <a:rPr lang="en-US" altLang="zh-CN" sz="4800" dirty="0" smtClean="0">
-                <a:solidFill>
-                  <a:srgbClr val="FF0000"/>
-                </a:solidFill>
+              <a:t>r</a:t>
+            </a:r>
+            <a:r>
+              <a:rPr lang="en-US" altLang="zh-TW" sz="4300" dirty="0" smtClean="0">
                 <a:effectLst>
                   <a:outerShdw blurRad="38100" dist="38100" dir="2700000" algn="tl">
                     <a:srgbClr val="000000">
@@ -7785,18 +7807,9 @@
                 <a:ea typeface="PMingLiU" pitchFamily="18" charset="-120"/>
                 <a:cs typeface="Calibri" pitchFamily="34" charset="0"/>
               </a:rPr>
-              <a:t>Insert the table here</a:t>
-            </a:r>
-          </a:p>
-          <a:p>
-            <a:pPr lvl="1">
-              <a:buFont typeface="Arial" charset="0"/>
-              <a:buChar char="•"/>
-            </a:pPr>
-            <a:endParaRPr lang="en-US" altLang="zh-CN" sz="4800" dirty="0">
-              <a:solidFill>
-                <a:srgbClr val="FF0000"/>
-              </a:solidFill>
+              <a:t>esampled statistics (no hack, safe)</a:t>
+            </a:r>
+            <a:endParaRPr lang="en-US" altLang="zh-TW" sz="4300" dirty="0">
               <a:effectLst>
                 <a:outerShdw blurRad="38100" dist="38100" dir="2700000" algn="tl">
                   <a:srgbClr val="000000">
@@ -7810,14 +7823,92 @@
             </a:endParaRPr>
           </a:p>
           <a:p>
-            <a:pPr lvl="1">
+            <a:pPr marL="457200" lvl="2" indent="-457200">
               <a:buFont typeface="Arial" charset="0"/>
               <a:buChar char="•"/>
             </a:pPr>
-            <a:endParaRPr lang="en-US" altLang="zh-CN" sz="4800" dirty="0" smtClean="0">
-              <a:solidFill>
-                <a:srgbClr val="FF0000"/>
-              </a:solidFill>
+            <a:r>
+              <a:rPr lang="en-US" altLang="zh-CN" sz="4700" dirty="0" smtClean="0">
+                <a:effectLst>
+                  <a:outerShdw blurRad="38100" dist="38100" dir="2700000" algn="tl">
+                    <a:srgbClr val="000000">
+                      <a:alpha val="43137"/>
+                    </a:srgbClr>
+                  </a:outerShdw>
+                </a:effectLst>
+                <a:latin typeface="Trebuchet MS" panose="020B0603020202020204" pitchFamily="34" charset="0"/>
+                <a:ea typeface="PMingLiU" pitchFamily="18" charset="-120"/>
+                <a:cs typeface="Calibri" pitchFamily="34" charset="0"/>
+              </a:rPr>
+              <a:t>Area </a:t>
+            </a:r>
+            <a:r>
+              <a:rPr lang="en-US" altLang="zh-CN" sz="4700" dirty="0">
+                <a:effectLst>
+                  <a:outerShdw blurRad="38100" dist="38100" dir="2700000" algn="tl">
+                    <a:srgbClr val="000000">
+                      <a:alpha val="43137"/>
+                    </a:srgbClr>
+                  </a:outerShdw>
+                </a:effectLst>
+                <a:latin typeface="Trebuchet MS" panose="020B0603020202020204" pitchFamily="34" charset="0"/>
+                <a:ea typeface="PMingLiU" pitchFamily="18" charset="-120"/>
+                <a:cs typeface="Calibri" pitchFamily="34" charset="0"/>
+              </a:rPr>
+              <a:t>under the ROC </a:t>
+            </a:r>
+            <a:r>
+              <a:rPr lang="en-US" altLang="zh-CN" sz="4700" dirty="0" smtClean="0">
+                <a:effectLst>
+                  <a:outerShdw blurRad="38100" dist="38100" dir="2700000" algn="tl">
+                    <a:srgbClr val="000000">
+                      <a:alpha val="43137"/>
+                    </a:srgbClr>
+                  </a:outerShdw>
+                </a:effectLst>
+                <a:latin typeface="Trebuchet MS" panose="020B0603020202020204" pitchFamily="34" charset="0"/>
+                <a:ea typeface="PMingLiU" pitchFamily="18" charset="-120"/>
+                <a:cs typeface="Calibri" pitchFamily="34" charset="0"/>
+              </a:rPr>
+              <a:t>curve (given by </a:t>
+            </a:r>
+            <a:r>
+              <a:rPr lang="en-US" altLang="zh-CN" sz="4700" dirty="0" err="1" smtClean="0">
+                <a:effectLst>
+                  <a:outerShdw blurRad="38100" dist="38100" dir="2700000" algn="tl">
+                    <a:srgbClr val="000000">
+                      <a:alpha val="43137"/>
+                    </a:srgbClr>
+                  </a:outerShdw>
+                </a:effectLst>
+                <a:latin typeface="Trebuchet MS" panose="020B0603020202020204" pitchFamily="34" charset="0"/>
+                <a:ea typeface="PMingLiU" pitchFamily="18" charset="-120"/>
+                <a:cs typeface="Calibri" pitchFamily="34" charset="0"/>
+              </a:rPr>
+              <a:t>Kaggle</a:t>
+            </a:r>
+            <a:r>
+              <a:rPr lang="en-US" altLang="zh-CN" sz="4700" dirty="0" smtClean="0">
+                <a:effectLst>
+                  <a:outerShdw blurRad="38100" dist="38100" dir="2700000" algn="tl">
+                    <a:srgbClr val="000000">
+                      <a:alpha val="43137"/>
+                    </a:srgbClr>
+                  </a:outerShdw>
+                </a:effectLst>
+                <a:latin typeface="Trebuchet MS" panose="020B0603020202020204" pitchFamily="34" charset="0"/>
+                <a:ea typeface="PMingLiU" pitchFamily="18" charset="-120"/>
+                <a:cs typeface="Calibri" pitchFamily="34" charset="0"/>
+              </a:rPr>
+              <a:t>)</a:t>
+            </a:r>
+          </a:p>
+          <a:p>
+            <a:pPr marL="457200" lvl="2" indent="-457200">
+              <a:buFont typeface="Arial" charset="0"/>
+              <a:buChar char="•"/>
+            </a:pPr>
+            <a:endParaRPr lang="en-US" altLang="zh-TW" sz="4700" dirty="0" smtClean="0">
               <a:effectLst>
                 <a:outerShdw blurRad="38100" dist="38100" dir="2700000" algn="tl">
                   <a:srgbClr val="000000">
@@ -7835,8 +7926,62 @@
               <a:buFont typeface="Arial" charset="0"/>
               <a:buChar char="•"/>
             </a:pPr>
-            <a:r>
-              <a:rPr lang="en-US" altLang="zh-TW" sz="4700" dirty="0">
+            <a:endParaRPr lang="en-US" altLang="zh-TW" sz="4700" dirty="0" smtClean="0">
+              <a:effectLst>
+                <a:outerShdw blurRad="38100" dist="38100" dir="2700000" algn="tl">
+                  <a:srgbClr val="000000">
+                    <a:alpha val="43137"/>
+                  </a:srgbClr>
+                </a:outerShdw>
+              </a:effectLst>
+              <a:latin typeface="Trebuchet MS" panose="020B0603020202020204" pitchFamily="34" charset="0"/>
+              <a:ea typeface="PMingLiU" pitchFamily="18" charset="-120"/>
+              <a:cs typeface="Calibri" pitchFamily="34" charset="0"/>
+            </a:endParaRPr>
+          </a:p>
+          <a:p>
+            <a:pPr marL="914400" lvl="3" indent="-457200">
+              <a:buFont typeface="Arial" charset="0"/>
+              <a:buChar char="•"/>
+            </a:pPr>
+            <a:endParaRPr lang="en-US" altLang="zh-TW" sz="4700" dirty="0" smtClean="0">
+              <a:effectLst>
+                <a:outerShdw blurRad="38100" dist="38100" dir="2700000" algn="tl">
+                  <a:srgbClr val="000000">
+                    <a:alpha val="43137"/>
+                  </a:srgbClr>
+                </a:outerShdw>
+              </a:effectLst>
+              <a:latin typeface="Trebuchet MS" panose="020B0603020202020204" pitchFamily="34" charset="0"/>
+              <a:ea typeface="PMingLiU" pitchFamily="18" charset="-120"/>
+              <a:cs typeface="Calibri" pitchFamily="34" charset="0"/>
+            </a:endParaRPr>
+          </a:p>
+          <a:p>
+            <a:pPr marL="914400" lvl="3" indent="-457200">
+              <a:buFont typeface="Arial" charset="0"/>
+              <a:buChar char="•"/>
+            </a:pPr>
+            <a:endParaRPr lang="en-US" altLang="zh-TW" sz="4700" dirty="0">
+              <a:effectLst>
+                <a:outerShdw blurRad="38100" dist="38100" dir="2700000" algn="tl">
+                  <a:srgbClr val="000000">
+                    <a:alpha val="43137"/>
+                  </a:srgbClr>
+                </a:outerShdw>
+              </a:effectLst>
+              <a:latin typeface="Trebuchet MS" panose="020B0603020202020204" pitchFamily="34" charset="0"/>
+              <a:ea typeface="PMingLiU" pitchFamily="18" charset="-120"/>
+              <a:cs typeface="Calibri" pitchFamily="34" charset="0"/>
+            </a:endParaRPr>
+          </a:p>
+          <a:p>
+            <a:pPr marL="914400" lvl="3" indent="-457200">
+              <a:buFont typeface="Arial" charset="0"/>
+              <a:buChar char="•"/>
+            </a:pPr>
+            <a:r>
+              <a:rPr lang="en-US" altLang="zh-TW" sz="4700" dirty="0" smtClean="0">
                 <a:effectLst>
                   <a:outerShdw blurRad="38100" dist="38100" dir="2700000" algn="tl">
                     <a:srgbClr val="000000">
@@ -7848,8 +7993,83 @@
                 <a:ea typeface="PMingLiU" pitchFamily="18" charset="-120"/>
                 <a:cs typeface="Calibri" pitchFamily="34" charset="0"/>
               </a:rPr>
+              <a:t>Ranking ~50/600+ on </a:t>
+            </a:r>
+            <a:r>
+              <a:rPr lang="en-US" altLang="zh-TW" sz="4700" dirty="0" err="1" smtClean="0">
+                <a:effectLst>
+                  <a:outerShdw blurRad="38100" dist="38100" dir="2700000" algn="tl">
+                    <a:srgbClr val="000000">
+                      <a:alpha val="43137"/>
+                    </a:srgbClr>
+                  </a:outerShdw>
+                </a:effectLst>
+                <a:latin typeface="Trebuchet MS" panose="020B0603020202020204" pitchFamily="34" charset="0"/>
+                <a:ea typeface="PMingLiU" pitchFamily="18" charset="-120"/>
+                <a:cs typeface="Calibri" pitchFamily="34" charset="0"/>
+              </a:rPr>
+              <a:t>Kaggle</a:t>
+            </a:r>
+            <a:r>
+              <a:rPr lang="en-US" altLang="zh-TW" sz="4700" dirty="0" smtClean="0">
+                <a:effectLst>
+                  <a:outerShdw blurRad="38100" dist="38100" dir="2700000" algn="tl">
+                    <a:srgbClr val="000000">
+                      <a:alpha val="43137"/>
+                    </a:srgbClr>
+                  </a:outerShdw>
+                </a:effectLst>
+                <a:latin typeface="Trebuchet MS" panose="020B0603020202020204" pitchFamily="34" charset="0"/>
+                <a:ea typeface="PMingLiU" pitchFamily="18" charset="-120"/>
+                <a:cs typeface="Calibri" pitchFamily="34" charset="0"/>
+              </a:rPr>
+              <a:t>. SVM result in the future, seemingly worse than LR.</a:t>
+            </a:r>
+            <a:endParaRPr lang="en-US" altLang="zh-TW" sz="4700" dirty="0" smtClean="0">
+              <a:effectLst>
+                <a:outerShdw blurRad="38100" dist="38100" dir="2700000" algn="tl">
+                  <a:srgbClr val="000000">
+                    <a:alpha val="43137"/>
+                  </a:srgbClr>
+                </a:outerShdw>
+              </a:effectLst>
+              <a:latin typeface="Trebuchet MS" panose="020B0603020202020204" pitchFamily="34" charset="0"/>
+              <a:ea typeface="PMingLiU" pitchFamily="18" charset="-120"/>
+              <a:cs typeface="Calibri" pitchFamily="34" charset="0"/>
+            </a:endParaRPr>
+          </a:p>
+          <a:p>
+            <a:pPr marL="457200" lvl="2" indent="-457200">
+              <a:buFont typeface="Arial" charset="0"/>
+              <a:buChar char="•"/>
+            </a:pPr>
+            <a:r>
+              <a:rPr lang="en-US" altLang="zh-TW" sz="4700" dirty="0" smtClean="0">
+                <a:effectLst>
+                  <a:outerShdw blurRad="38100" dist="38100" dir="2700000" algn="tl">
+                    <a:srgbClr val="000000">
+                      <a:alpha val="43137"/>
+                    </a:srgbClr>
+                  </a:outerShdw>
+                </a:effectLst>
+                <a:latin typeface="Trebuchet MS" panose="020B0603020202020204" pitchFamily="34" charset="0"/>
+                <a:ea typeface="PMingLiU" pitchFamily="18" charset="-120"/>
+                <a:cs typeface="Calibri" pitchFamily="34" charset="0"/>
+              </a:rPr>
               <a:t>Conclusions</a:t>
             </a:r>
+            <a:endParaRPr lang="en-US" altLang="zh-TW" sz="4700" dirty="0">
+              <a:effectLst>
+                <a:outerShdw blurRad="38100" dist="38100" dir="2700000" algn="tl">
+                  <a:srgbClr val="000000">
+                    <a:alpha val="43137"/>
+                  </a:srgbClr>
+                </a:outerShdw>
+              </a:effectLst>
+              <a:latin typeface="Trebuchet MS" panose="020B0603020202020204" pitchFamily="34" charset="0"/>
+              <a:ea typeface="PMingLiU" pitchFamily="18" charset="-120"/>
+              <a:cs typeface="Calibri" pitchFamily="34" charset="0"/>
+            </a:endParaRPr>
           </a:p>
           <a:p>
             <a:pPr marL="1371600" lvl="2" indent="-685800">
@@ -7878,7 +8098,7 @@
               <a:buChar char="•"/>
             </a:pPr>
             <a:r>
-              <a:rPr lang="en-US" altLang="zh-TW" sz="4300">
+              <a:rPr lang="en-US" altLang="zh-TW" sz="4300" dirty="0">
                 <a:effectLst>
                   <a:outerShdw blurRad="38100" dist="38100" dir="2700000" algn="tl">
                     <a:srgbClr val="000000">
@@ -7893,7 +8113,7 @@
               <a:t>R</a:t>
             </a:r>
             <a:r>
-              <a:rPr lang="en-US" altLang="zh-TW" sz="4300" smtClean="0">
+              <a:rPr lang="en-US" altLang="zh-TW" sz="4300" dirty="0" smtClean="0">
                 <a:effectLst>
                   <a:outerShdw blurRad="38100" dist="38100" dir="2700000" algn="tl">
                     <a:srgbClr val="000000">
@@ -7920,8 +8140,86 @@
                 <a:ea typeface="PMingLiU" pitchFamily="18" charset="-120"/>
                 <a:cs typeface="Calibri" pitchFamily="34" charset="0"/>
               </a:rPr>
-              <a:t>of using safe feature is acceptable, but further improvement is needed</a:t>
-            </a:r>
+              <a:t>of using safe </a:t>
+            </a:r>
+            <a:r>
+              <a:rPr lang="en-US" altLang="zh-TW" sz="4300" dirty="0" smtClean="0">
+                <a:effectLst>
+                  <a:outerShdw blurRad="38100" dist="38100" dir="2700000" algn="tl">
+                    <a:srgbClr val="000000">
+                      <a:alpha val="43137"/>
+                    </a:srgbClr>
+                  </a:outerShdw>
+                </a:effectLst>
+                <a:latin typeface="Trebuchet MS" panose="020B0603020202020204" pitchFamily="34" charset="0"/>
+                <a:ea typeface="PMingLiU" pitchFamily="18" charset="-120"/>
+                <a:cs typeface="Calibri" pitchFamily="34" charset="0"/>
+              </a:rPr>
+              <a:t>features </a:t>
+            </a:r>
+            <a:r>
+              <a:rPr lang="en-US" altLang="zh-TW" sz="4300" dirty="0">
+                <a:effectLst>
+                  <a:outerShdw blurRad="38100" dist="38100" dir="2700000" algn="tl">
+                    <a:srgbClr val="000000">
+                      <a:alpha val="43137"/>
+                    </a:srgbClr>
+                  </a:outerShdw>
+                </a:effectLst>
+                <a:latin typeface="Trebuchet MS" panose="020B0603020202020204" pitchFamily="34" charset="0"/>
+                <a:ea typeface="PMingLiU" pitchFamily="18" charset="-120"/>
+                <a:cs typeface="Calibri" pitchFamily="34" charset="0"/>
+              </a:rPr>
+              <a:t>is acceptable, but further improvement is </a:t>
+            </a:r>
+            <a:r>
+              <a:rPr lang="en-US" altLang="zh-TW" sz="4300" dirty="0" smtClean="0">
+                <a:effectLst>
+                  <a:outerShdw blurRad="38100" dist="38100" dir="2700000" algn="tl">
+                    <a:srgbClr val="000000">
+                      <a:alpha val="43137"/>
+                    </a:srgbClr>
+                  </a:outerShdw>
+                </a:effectLst>
+                <a:latin typeface="Trebuchet MS" panose="020B0603020202020204" pitchFamily="34" charset="0"/>
+                <a:ea typeface="PMingLiU" pitchFamily="18" charset="-120"/>
+                <a:cs typeface="Calibri" pitchFamily="34" charset="0"/>
+              </a:rPr>
+              <a:t>needed</a:t>
+            </a:r>
+          </a:p>
+          <a:p>
+            <a:pPr marL="1371600" lvl="2" indent="-685800">
+              <a:buFont typeface="Arial" charset="0"/>
+              <a:buChar char="•"/>
+            </a:pPr>
+            <a:r>
+              <a:rPr lang="en-US" altLang="zh-TW" sz="4300" dirty="0" smtClean="0">
+                <a:effectLst>
+                  <a:outerShdw blurRad="38100" dist="38100" dir="2700000" algn="tl">
+                    <a:srgbClr val="000000">
+                      <a:alpha val="43137"/>
+                    </a:srgbClr>
+                  </a:outerShdw>
+                </a:effectLst>
+                <a:latin typeface="Trebuchet MS" panose="020B0603020202020204" pitchFamily="34" charset="0"/>
+                <a:ea typeface="PMingLiU" pitchFamily="18" charset="-120"/>
+                <a:cs typeface="Calibri" pitchFamily="34" charset="0"/>
+              </a:rPr>
+              <a:t>Hack features (statistic from raw readings) are useful in limited scenarios</a:t>
+            </a:r>
+            <a:endParaRPr lang="en-US" altLang="zh-TW" sz="4300" dirty="0">
+              <a:effectLst>
+                <a:outerShdw blurRad="38100" dist="38100" dir="2700000" algn="tl">
+                  <a:srgbClr val="000000">
+                    <a:alpha val="43137"/>
+                  </a:srgbClr>
+                </a:outerShdw>
+              </a:effectLst>
+              <a:latin typeface="Trebuchet MS" panose="020B0603020202020204" pitchFamily="34" charset="0"/>
+              <a:ea typeface="PMingLiU" pitchFamily="18" charset="-120"/>
+              <a:cs typeface="Calibri" pitchFamily="34" charset="0"/>
+            </a:endParaRPr>
           </a:p>
           <a:p>
             <a:pPr>
@@ -7953,8 +8251,8 @@
         </p:nvSpPr>
         <p:spPr bwMode="auto">
           <a:xfrm>
-            <a:off x="14020800" y="27584400"/>
-            <a:ext cx="12801600" cy="6858040"/>
+            <a:off x="14020800" y="29641800"/>
+            <a:ext cx="12801600" cy="5105400"/>
           </a:xfrm>
           <a:prstGeom prst="rect">
             <a:avLst/>
@@ -8095,8 +8393,8 @@
         </p:nvSpPr>
         <p:spPr bwMode="auto">
           <a:xfrm>
-            <a:off x="14097000" y="27609800"/>
-            <a:ext cx="12573000" cy="6832640"/>
+            <a:off x="14020800" y="29641800"/>
+            <a:ext cx="12573000" cy="4801314"/>
           </a:xfrm>
           <a:prstGeom prst="rect">
             <a:avLst/>
@@ -8252,10 +8550,25 @@
                 <a:latin typeface="Trebuchet MS" panose="020B0603020202020204" pitchFamily="34" charset="0"/>
                 <a:ea typeface="PMingLiU" pitchFamily="18" charset="-120"/>
               </a:rPr>
-              <a:t>Future Work</a:t>
-            </a:r>
-          </a:p>
-          <a:p>
+              <a:t>Future </a:t>
+            </a:r>
+            <a:r>
+              <a:rPr lang="en-US" altLang="zh-TW" sz="6600" b="1" dirty="0" smtClean="0">
+                <a:solidFill>
+                  <a:srgbClr val="C00000"/>
+                </a:solidFill>
+                <a:effectLst>
+                  <a:outerShdw blurRad="38100" dist="38100" dir="2700000" algn="tl">
+                    <a:srgbClr val="000000">
+                      <a:alpha val="43137"/>
+                    </a:srgbClr>
+                  </a:outerShdw>
+                </a:effectLst>
+                <a:latin typeface="Trebuchet MS" panose="020B0603020202020204" pitchFamily="34" charset="0"/>
+                <a:ea typeface="PMingLiU" pitchFamily="18" charset="-120"/>
+              </a:rPr>
+              <a:t>Work</a:t>
+            </a:r>
             <a:endParaRPr lang="en-US" altLang="zh-TW" sz="3600" b="1" dirty="0">
               <a:solidFill>
                 <a:schemeClr val="accent2"/>
@@ -8288,7 +8601,21 @@
                 <a:latin typeface="Trebuchet MS" panose="020B0603020202020204" pitchFamily="34" charset="0"/>
                 <a:ea typeface="PMingLiU" pitchFamily="18" charset="-120"/>
               </a:rPr>
-              <a:t>More sophisticated identifier</a:t>
+              <a:t>More sophisticated </a:t>
+            </a:r>
+            <a:r>
+              <a:rPr lang="en-US" altLang="zh-TW" sz="4800" dirty="0" smtClean="0">
+                <a:effectLst>
+                  <a:outerShdw blurRad="38100" dist="38100" dir="2700000" algn="tl">
+                    <a:srgbClr val="000000">
+                      <a:alpha val="43137"/>
+                    </a:srgbClr>
+                  </a:outerShdw>
+                </a:effectLst>
+                <a:latin typeface="Trebuchet MS" panose="020B0603020202020204" pitchFamily="34" charset="0"/>
+                <a:ea typeface="PMingLiU" pitchFamily="18" charset="-120"/>
+              </a:rPr>
+              <a:t>classifier</a:t>
             </a:r>
             <a:endParaRPr lang="en-US" altLang="zh-TW" sz="4800" dirty="0">
               <a:effectLst>
@@ -8303,37 +8630,6 @@
             </a:endParaRPr>
           </a:p>
           <a:p>
-            <a:pPr lvl="1">
-              <a:buFont typeface="Arial" charset="0"/>
-              <a:buChar char="•"/>
-            </a:pPr>
-            <a:r>
-              <a:rPr lang="en-US" altLang="zh-TW" sz="4800" dirty="0" smtClean="0">
-                <a:effectLst>
-                  <a:outerShdw blurRad="38100" dist="38100" dir="2700000" algn="tl">
-                    <a:srgbClr val="000000">
-                      <a:alpha val="43137"/>
-                    </a:srgbClr>
-                  </a:outerShdw>
-                </a:effectLst>
-                <a:latin typeface="Trebuchet MS" panose="020B0603020202020204" pitchFamily="34" charset="0"/>
-                <a:ea typeface="PMingLiU" pitchFamily="18" charset="-120"/>
-              </a:rPr>
-              <a:t>Identify different phase of motion, i.e., walking, biking, driving or running</a:t>
-            </a:r>
-            <a:endParaRPr lang="en-US" altLang="zh-TW" sz="4800" dirty="0">
-              <a:effectLst>
-                <a:outerShdw blurRad="38100" dist="38100" dir="2700000" algn="tl">
-                  <a:srgbClr val="000000">
-                    <a:alpha val="43137"/>
-                  </a:srgbClr>
-                </a:outerShdw>
-              </a:effectLst>
-              <a:latin typeface="Trebuchet MS" panose="020B0603020202020204" pitchFamily="34" charset="0"/>
-              <a:ea typeface="PMingLiU" pitchFamily="18" charset="-120"/>
-            </a:endParaRPr>
-          </a:p>
-          <a:p>
             <a:pPr>
               <a:buFont typeface="Arial" charset="0"/>
               <a:buChar char="•"/>
@@ -8350,19 +8646,8 @@
                 <a:latin typeface="Trebuchet MS" panose="020B0603020202020204" pitchFamily="34" charset="0"/>
                 <a:ea typeface="PMingLiU" pitchFamily="18" charset="-120"/>
               </a:rPr>
-              <a:t>A toolkit for mobile devices based on such technique </a:t>
-            </a:r>
-            <a:endParaRPr lang="en-US" altLang="zh-TW" sz="4800" dirty="0">
-              <a:effectLst>
-                <a:outerShdw blurRad="38100" dist="38100" dir="2700000" algn="tl">
-                  <a:srgbClr val="000000">
-                    <a:alpha val="43137"/>
-                  </a:srgbClr>
-                </a:outerShdw>
-              </a:effectLst>
-              <a:latin typeface="Trebuchet MS" panose="020B0603020202020204" pitchFamily="34" charset="0"/>
-              <a:ea typeface="PMingLiU" pitchFamily="18" charset="-120"/>
-            </a:endParaRPr>
+              <a:t>Reduce training data to see how much data is required to achieve certain performance</a:t>
+            </a:r>
           </a:p>
           <a:p>
             <a:pPr>
@@ -8381,7 +8666,21 @@
                 <a:latin typeface="Trebuchet MS" panose="020B0603020202020204" pitchFamily="34" charset="0"/>
                 <a:ea typeface="PMingLiU" pitchFamily="18" charset="-120"/>
               </a:rPr>
-              <a:t>Privacy guard for jamming raw accelerometer data</a:t>
+              <a:t>Analyze time &amp; power required for training and testing, and speed </a:t>
+            </a:r>
+            <a:r>
+              <a:rPr lang="en-US" altLang="zh-TW" sz="4800" smtClean="0">
+                <a:effectLst>
+                  <a:outerShdw blurRad="38100" dist="38100" dir="2700000" algn="tl">
+                    <a:srgbClr val="000000">
+                      <a:alpha val="43137"/>
+                    </a:srgbClr>
+                  </a:outerShdw>
+                </a:effectLst>
+                <a:latin typeface="Trebuchet MS" panose="020B0603020202020204" pitchFamily="34" charset="0"/>
+                <a:ea typeface="PMingLiU" pitchFamily="18" charset="-120"/>
+              </a:rPr>
+              <a:t>up computation</a:t>
             </a:r>
             <a:endParaRPr lang="en-US" altLang="zh-TW" sz="4800" dirty="0">
               <a:effectLst>
@@ -8456,7 +8755,7 @@
         </p:nvSpPr>
         <p:spPr>
           <a:xfrm>
-            <a:off x="2438400" y="29876204"/>
+            <a:off x="1752600" y="24460200"/>
             <a:ext cx="10591800" cy="707886"/>
           </a:xfrm>
           <a:prstGeom prst="rect">
@@ -8762,7 +9061,7 @@
         </p:blipFill>
         <p:spPr bwMode="auto">
           <a:xfrm>
-            <a:off x="1175657" y="26474057"/>
+            <a:off x="990600" y="21107400"/>
             <a:ext cx="3015343" cy="3015343"/>
           </a:xfrm>
           <a:prstGeom prst="rect">
@@ -8840,7 +9139,7 @@
         </p:blipFill>
         <p:spPr bwMode="auto">
           <a:xfrm>
-            <a:off x="2137580" y="29668935"/>
+            <a:off x="1219200" y="24307800"/>
             <a:ext cx="1062820" cy="971981"/>
           </a:xfrm>
           <a:prstGeom prst="rect">
@@ -8960,6 +9259,508 @@
           </a:extLst>
         </p:spPr>
       </p:pic>
+      <p:graphicFrame>
+        <p:nvGraphicFramePr>
+          <p:cNvPr id="3" name="Table 2"/>
+          <p:cNvGraphicFramePr>
+            <a:graphicFrameLocks noGrp="1"/>
+          </p:cNvGraphicFramePr>
+          <p:nvPr>
+            <p:extLst>
+              <p:ext uri="{D42A27DB-BD31-4B8C-83A1-F6EECF244321}">
+                <p14:modId xmlns:p14="http://schemas.microsoft.com/office/powerpoint/2010/main" val="4243652420"/>
+              </p:ext>
+            </p:extLst>
+          </p:nvPr>
+        </p:nvGraphicFramePr>
+        <p:xfrm>
+          <a:off x="14706600" y="20574000"/>
+          <a:ext cx="11506201" cy="2362200"/>
+        </p:xfrm>
+        <a:graphic>
+          <a:graphicData uri="http://schemas.openxmlformats.org/drawingml/2006/table">
+            <a:tbl>
+              <a:tblPr firstRow="1" bandRow="1">
+                <a:tableStyleId>{8799B23B-EC83-4686-B30A-512413B5E67A}</a:tableStyleId>
+              </a:tblPr>
+              <a:tblGrid>
+                <a:gridCol w="2876550"/>
+                <a:gridCol w="1917700"/>
+                <a:gridCol w="3116263"/>
+                <a:gridCol w="3595688"/>
+              </a:tblGrid>
+              <a:tr h="1181100">
+                <a:tc>
+                  <a:txBody>
+                    <a:bodyPr/>
+                    <a:lstStyle/>
+                    <a:p>
+                      <a:pPr algn="ctr"/>
+                      <a:endParaRPr lang="en-US" sz="3200" dirty="0">
+                        <a:latin typeface="Trebuchet MS"/>
+                        <a:cs typeface="Trebuchet MS"/>
+                      </a:endParaRPr>
+                    </a:p>
+                  </a:txBody>
+                  <a:tcPr anchor="ctr">
+                    <a:lnL w="38100" cap="flat" cmpd="sng" algn="ctr">
+                      <a:solidFill>
+                        <a:scrgbClr r="0" g="0" b="0"/>
+                      </a:solidFill>
+                      <a:prstDash val="solid"/>
+                      <a:round/>
+                      <a:headEnd type="none" w="med" len="med"/>
+                      <a:tailEnd type="none" w="med" len="med"/>
+                    </a:lnL>
+                    <a:lnR w="38100" cap="flat" cmpd="sng" algn="ctr">
+                      <a:solidFill>
+                        <a:scrgbClr r="0" g="0" b="0"/>
+                      </a:solidFill>
+                      <a:prstDash val="solid"/>
+                      <a:round/>
+                      <a:headEnd type="none" w="med" len="med"/>
+                      <a:tailEnd type="none" w="med" len="med"/>
+                    </a:lnR>
+                    <a:lnT w="38100" cap="flat" cmpd="sng" algn="ctr">
+                      <a:solidFill>
+                        <a:scrgbClr r="0" g="0" b="0"/>
+                      </a:solidFill>
+                      <a:prstDash val="solid"/>
+                      <a:round/>
+                      <a:headEnd type="none" w="med" len="med"/>
+                      <a:tailEnd type="none" w="med" len="med"/>
+                    </a:lnT>
+                    <a:lnB w="38100" cap="flat" cmpd="sng" algn="ctr">
+                      <a:solidFill>
+                        <a:scrgbClr r="0" g="0" b="0"/>
+                      </a:solidFill>
+                      <a:prstDash val="solid"/>
+                      <a:round/>
+                      <a:headEnd type="none" w="med" len="med"/>
+                      <a:tailEnd type="none" w="med" len="med"/>
+                    </a:lnB>
+                  </a:tcPr>
+                </a:tc>
+                <a:tc>
+                  <a:txBody>
+                    <a:bodyPr/>
+                    <a:lstStyle/>
+                    <a:p>
+                      <a:pPr algn="ctr"/>
+                      <a:r>
+                        <a:rPr lang="en-US" sz="2800" dirty="0" smtClean="0">
+                          <a:latin typeface="Trebuchet MS"/>
+                          <a:cs typeface="Trebuchet MS"/>
+                        </a:rPr>
+                        <a:t>resampled</a:t>
+                      </a:r>
+                      <a:endParaRPr lang="en-US" sz="2800" dirty="0">
+                        <a:latin typeface="Trebuchet MS"/>
+                        <a:cs typeface="Trebuchet MS"/>
+                      </a:endParaRPr>
+                    </a:p>
+                  </a:txBody>
+                  <a:tcPr anchor="ctr">
+                    <a:lnL w="38100" cap="flat" cmpd="sng" algn="ctr">
+                      <a:solidFill>
+                        <a:scrgbClr r="0" g="0" b="0"/>
+                      </a:solidFill>
+                      <a:prstDash val="solid"/>
+                      <a:round/>
+                      <a:headEnd type="none" w="med" len="med"/>
+                      <a:tailEnd type="none" w="med" len="med"/>
+                    </a:lnL>
+                    <a:lnR w="38100" cap="flat" cmpd="sng" algn="ctr">
+                      <a:solidFill>
+                        <a:scrgbClr r="0" g="0" b="0"/>
+                      </a:solidFill>
+                      <a:prstDash val="solid"/>
+                      <a:round/>
+                      <a:headEnd type="none" w="med" len="med"/>
+                      <a:tailEnd type="none" w="med" len="med"/>
+                    </a:lnR>
+                    <a:lnT w="38100" cap="flat" cmpd="sng" algn="ctr">
+                      <a:solidFill>
+                        <a:scrgbClr r="0" g="0" b="0"/>
+                      </a:solidFill>
+                      <a:prstDash val="solid"/>
+                      <a:round/>
+                      <a:headEnd type="none" w="med" len="med"/>
+                      <a:tailEnd type="none" w="med" len="med"/>
+                    </a:lnT>
+                    <a:lnB w="38100" cap="flat" cmpd="sng" algn="ctr">
+                      <a:solidFill>
+                        <a:scrgbClr r="0" g="0" b="0"/>
+                      </a:solidFill>
+                      <a:prstDash val="solid"/>
+                      <a:round/>
+                      <a:headEnd type="none" w="med" len="med"/>
+                      <a:tailEnd type="none" w="med" len="med"/>
+                    </a:lnB>
+                  </a:tcPr>
+                </a:tc>
+                <a:tc>
+                  <a:txBody>
+                    <a:bodyPr/>
+                    <a:lstStyle/>
+                    <a:p>
+                      <a:pPr algn="ctr"/>
+                      <a:r>
+                        <a:rPr lang="en-US" sz="2800" dirty="0" smtClean="0">
+                          <a:latin typeface="Trebuchet MS"/>
+                          <a:cs typeface="Trebuchet MS"/>
+                        </a:rPr>
+                        <a:t>resampled</a:t>
+                      </a:r>
+                      <a:r>
+                        <a:rPr lang="en-US" sz="2800" baseline="0" dirty="0" smtClean="0">
+                          <a:latin typeface="Trebuchet MS"/>
+                          <a:cs typeface="Trebuchet MS"/>
+                        </a:rPr>
+                        <a:t> + raw</a:t>
+                      </a:r>
+                      <a:endParaRPr lang="en-US" sz="2800" dirty="0">
+                        <a:latin typeface="Trebuchet MS"/>
+                        <a:cs typeface="Trebuchet MS"/>
+                      </a:endParaRPr>
+                    </a:p>
+                  </a:txBody>
+                  <a:tcPr anchor="ctr">
+                    <a:lnL w="38100" cap="flat" cmpd="sng" algn="ctr">
+                      <a:solidFill>
+                        <a:scrgbClr r="0" g="0" b="0"/>
+                      </a:solidFill>
+                      <a:prstDash val="solid"/>
+                      <a:round/>
+                      <a:headEnd type="none" w="med" len="med"/>
+                      <a:tailEnd type="none" w="med" len="med"/>
+                    </a:lnL>
+                    <a:lnR w="38100" cap="flat" cmpd="sng" algn="ctr">
+                      <a:solidFill>
+                        <a:scrgbClr r="0" g="0" b="0"/>
+                      </a:solidFill>
+                      <a:prstDash val="solid"/>
+                      <a:round/>
+                      <a:headEnd type="none" w="med" len="med"/>
+                      <a:tailEnd type="none" w="med" len="med"/>
+                    </a:lnR>
+                    <a:lnT w="38100" cap="flat" cmpd="sng" algn="ctr">
+                      <a:solidFill>
+                        <a:scrgbClr r="0" g="0" b="0"/>
+                      </a:solidFill>
+                      <a:prstDash val="solid"/>
+                      <a:round/>
+                      <a:headEnd type="none" w="med" len="med"/>
+                      <a:tailEnd type="none" w="med" len="med"/>
+                    </a:lnT>
+                    <a:lnB w="38100" cap="flat" cmpd="sng" algn="ctr">
+                      <a:solidFill>
+                        <a:scrgbClr r="0" g="0" b="0"/>
+                      </a:solidFill>
+                      <a:prstDash val="solid"/>
+                      <a:round/>
+                      <a:headEnd type="none" w="med" len="med"/>
+                      <a:tailEnd type="none" w="med" len="med"/>
+                    </a:lnB>
+                  </a:tcPr>
+                </a:tc>
+                <a:tc>
+                  <a:txBody>
+                    <a:bodyPr/>
+                    <a:lstStyle/>
+                    <a:p>
+                      <a:pPr algn="ctr"/>
+                      <a:r>
+                        <a:rPr lang="en-US" sz="2800" dirty="0" smtClean="0">
+                          <a:latin typeface="Trebuchet MS"/>
+                          <a:cs typeface="Trebuchet MS"/>
+                        </a:rPr>
+                        <a:t>FFT + resampled + raw</a:t>
+                      </a:r>
+                      <a:endParaRPr lang="en-US" sz="2800" dirty="0">
+                        <a:latin typeface="Trebuchet MS"/>
+                        <a:cs typeface="Trebuchet MS"/>
+                      </a:endParaRPr>
+                    </a:p>
+                  </a:txBody>
+                  <a:tcPr anchor="ctr">
+                    <a:lnL w="38100" cap="flat" cmpd="sng" algn="ctr">
+                      <a:solidFill>
+                        <a:scrgbClr r="0" g="0" b="0"/>
+                      </a:solidFill>
+                      <a:prstDash val="solid"/>
+                      <a:round/>
+                      <a:headEnd type="none" w="med" len="med"/>
+                      <a:tailEnd type="none" w="med" len="med"/>
+                    </a:lnL>
+                    <a:lnR w="38100" cap="flat" cmpd="sng" algn="ctr">
+                      <a:solidFill>
+                        <a:scrgbClr r="0" g="0" b="0"/>
+                      </a:solidFill>
+                      <a:prstDash val="solid"/>
+                      <a:round/>
+                      <a:headEnd type="none" w="med" len="med"/>
+                      <a:tailEnd type="none" w="med" len="med"/>
+                    </a:lnR>
+                    <a:lnT w="38100" cap="flat" cmpd="sng" algn="ctr">
+                      <a:solidFill>
+                        <a:scrgbClr r="0" g="0" b="0"/>
+                      </a:solidFill>
+                      <a:prstDash val="solid"/>
+                      <a:round/>
+                      <a:headEnd type="none" w="med" len="med"/>
+                      <a:tailEnd type="none" w="med" len="med"/>
+                    </a:lnT>
+                    <a:lnB w="38100" cap="flat" cmpd="sng" algn="ctr">
+                      <a:solidFill>
+                        <a:scrgbClr r="0" g="0" b="0"/>
+                      </a:solidFill>
+                      <a:prstDash val="solid"/>
+                      <a:round/>
+                      <a:headEnd type="none" w="med" len="med"/>
+                      <a:tailEnd type="none" w="med" len="med"/>
+                    </a:lnB>
+                  </a:tcPr>
+                </a:tc>
+              </a:tr>
+              <a:tr h="1181100">
+                <a:tc>
+                  <a:txBody>
+                    <a:bodyPr/>
+                    <a:lstStyle/>
+                    <a:p>
+                      <a:pPr algn="ctr"/>
+                      <a:r>
+                        <a:rPr lang="en-US" sz="2400" b="1" dirty="0" smtClean="0">
+                          <a:latin typeface="Trebuchet MS"/>
+                          <a:cs typeface="Trebuchet MS"/>
+                        </a:rPr>
+                        <a:t>Logistic regression (LIBLINEAR)</a:t>
+                      </a:r>
+                      <a:endParaRPr lang="en-US" sz="2400" b="1" dirty="0">
+                        <a:latin typeface="Trebuchet MS"/>
+                        <a:cs typeface="Trebuchet MS"/>
+                      </a:endParaRPr>
+                    </a:p>
+                  </a:txBody>
+                  <a:tcPr anchor="ctr">
+                    <a:lnL w="38100" cap="flat" cmpd="sng" algn="ctr">
+                      <a:solidFill>
+                        <a:scrgbClr r="0" g="0" b="0"/>
+                      </a:solidFill>
+                      <a:prstDash val="solid"/>
+                      <a:round/>
+                      <a:headEnd type="none" w="med" len="med"/>
+                      <a:tailEnd type="none" w="med" len="med"/>
+                    </a:lnL>
+                    <a:lnR w="38100" cap="flat" cmpd="sng" algn="ctr">
+                      <a:solidFill>
+                        <a:scrgbClr r="0" g="0" b="0"/>
+                      </a:solidFill>
+                      <a:prstDash val="solid"/>
+                      <a:round/>
+                      <a:headEnd type="none" w="med" len="med"/>
+                      <a:tailEnd type="none" w="med" len="med"/>
+                    </a:lnR>
+                    <a:lnT w="38100" cap="flat" cmpd="sng" algn="ctr">
+                      <a:solidFill>
+                        <a:scrgbClr r="0" g="0" b="0"/>
+                      </a:solidFill>
+                      <a:prstDash val="solid"/>
+                      <a:round/>
+                      <a:headEnd type="none" w="med" len="med"/>
+                      <a:tailEnd type="none" w="med" len="med"/>
+                    </a:lnT>
+                    <a:lnB w="38100" cap="flat" cmpd="sng" algn="ctr">
+                      <a:solidFill>
+                        <a:scrgbClr r="0" g="0" b="0"/>
+                      </a:solidFill>
+                      <a:prstDash val="solid"/>
+                      <a:round/>
+                      <a:headEnd type="none" w="med" len="med"/>
+                      <a:tailEnd type="none" w="med" len="med"/>
+                    </a:lnB>
+                  </a:tcPr>
+                </a:tc>
+                <a:tc>
+                  <a:txBody>
+                    <a:bodyPr/>
+                    <a:lstStyle/>
+                    <a:p>
+                      <a:pPr algn="ctr"/>
+                      <a:r>
+                        <a:rPr lang="en-US" sz="4000" dirty="0" smtClean="0">
+                          <a:latin typeface="Trebuchet MS"/>
+                          <a:cs typeface="Trebuchet MS"/>
+                        </a:rPr>
+                        <a:t>0.844</a:t>
+                      </a:r>
+                      <a:endParaRPr lang="en-US" sz="4000" dirty="0">
+                        <a:latin typeface="Trebuchet MS"/>
+                        <a:cs typeface="Trebuchet MS"/>
+                      </a:endParaRPr>
+                    </a:p>
+                  </a:txBody>
+                  <a:tcPr anchor="ctr">
+                    <a:lnL w="38100" cap="flat" cmpd="sng" algn="ctr">
+                      <a:solidFill>
+                        <a:scrgbClr r="0" g="0" b="0"/>
+                      </a:solidFill>
+                      <a:prstDash val="solid"/>
+                      <a:round/>
+                      <a:headEnd type="none" w="med" len="med"/>
+                      <a:tailEnd type="none" w="med" len="med"/>
+                    </a:lnL>
+                    <a:lnR w="38100" cap="flat" cmpd="sng" algn="ctr">
+                      <a:solidFill>
+                        <a:scrgbClr r="0" g="0" b="0"/>
+                      </a:solidFill>
+                      <a:prstDash val="solid"/>
+                      <a:round/>
+                      <a:headEnd type="none" w="med" len="med"/>
+                      <a:tailEnd type="none" w="med" len="med"/>
+                    </a:lnR>
+                    <a:lnT w="38100" cap="flat" cmpd="sng" algn="ctr">
+                      <a:solidFill>
+                        <a:scrgbClr r="0" g="0" b="0"/>
+                      </a:solidFill>
+                      <a:prstDash val="solid"/>
+                      <a:round/>
+                      <a:headEnd type="none" w="med" len="med"/>
+                      <a:tailEnd type="none" w="med" len="med"/>
+                    </a:lnT>
+                    <a:lnB w="38100" cap="flat" cmpd="sng" algn="ctr">
+                      <a:solidFill>
+                        <a:scrgbClr r="0" g="0" b="0"/>
+                      </a:solidFill>
+                      <a:prstDash val="solid"/>
+                      <a:round/>
+                      <a:headEnd type="none" w="med" len="med"/>
+                      <a:tailEnd type="none" w="med" len="med"/>
+                    </a:lnB>
+                  </a:tcPr>
+                </a:tc>
+                <a:tc>
+                  <a:txBody>
+                    <a:bodyPr/>
+                    <a:lstStyle/>
+                    <a:p>
+                      <a:pPr algn="ctr"/>
+                      <a:r>
+                        <a:rPr lang="en-US" sz="4000" dirty="0" smtClean="0">
+                          <a:latin typeface="Trebuchet MS"/>
+                          <a:cs typeface="Trebuchet MS"/>
+                        </a:rPr>
+                        <a:t>0.897</a:t>
+                      </a:r>
+                      <a:endParaRPr lang="en-US" sz="4000" dirty="0">
+                        <a:latin typeface="Trebuchet MS"/>
+                        <a:cs typeface="Trebuchet MS"/>
+                      </a:endParaRPr>
+                    </a:p>
+                  </a:txBody>
+                  <a:tcPr anchor="ctr">
+                    <a:lnL w="38100" cap="flat" cmpd="sng" algn="ctr">
+                      <a:solidFill>
+                        <a:scrgbClr r="0" g="0" b="0"/>
+                      </a:solidFill>
+                      <a:prstDash val="solid"/>
+                      <a:round/>
+                      <a:headEnd type="none" w="med" len="med"/>
+                      <a:tailEnd type="none" w="med" len="med"/>
+                    </a:lnL>
+                    <a:lnR w="38100" cap="flat" cmpd="sng" algn="ctr">
+                      <a:solidFill>
+                        <a:scrgbClr r="0" g="0" b="0"/>
+                      </a:solidFill>
+                      <a:prstDash val="solid"/>
+                      <a:round/>
+                      <a:headEnd type="none" w="med" len="med"/>
+                      <a:tailEnd type="none" w="med" len="med"/>
+                    </a:lnR>
+                    <a:lnT w="38100" cap="flat" cmpd="sng" algn="ctr">
+                      <a:solidFill>
+                        <a:scrgbClr r="0" g="0" b="0"/>
+                      </a:solidFill>
+                      <a:prstDash val="solid"/>
+                      <a:round/>
+                      <a:headEnd type="none" w="med" len="med"/>
+                      <a:tailEnd type="none" w="med" len="med"/>
+                    </a:lnT>
+                    <a:lnB w="38100" cap="flat" cmpd="sng" algn="ctr">
+                      <a:solidFill>
+                        <a:scrgbClr r="0" g="0" b="0"/>
+                      </a:solidFill>
+                      <a:prstDash val="solid"/>
+                      <a:round/>
+                      <a:headEnd type="none" w="med" len="med"/>
+                      <a:tailEnd type="none" w="med" len="med"/>
+                    </a:lnB>
+                  </a:tcPr>
+                </a:tc>
+                <a:tc>
+                  <a:txBody>
+                    <a:bodyPr/>
+                    <a:lstStyle/>
+                    <a:p>
+                      <a:pPr algn="ctr"/>
+                      <a:r>
+                        <a:rPr lang="en-US" sz="4000" dirty="0" smtClean="0">
+                          <a:latin typeface="Trebuchet MS"/>
+                          <a:cs typeface="Trebuchet MS"/>
+                        </a:rPr>
+                        <a:t>0.902</a:t>
+                      </a:r>
+                      <a:endParaRPr lang="en-US" sz="4000" dirty="0">
+                        <a:latin typeface="Trebuchet MS"/>
+                        <a:cs typeface="Trebuchet MS"/>
+                      </a:endParaRPr>
+                    </a:p>
+                  </a:txBody>
+                  <a:tcPr anchor="ctr">
+                    <a:lnL w="38100" cap="flat" cmpd="sng" algn="ctr">
+                      <a:solidFill>
+                        <a:scrgbClr r="0" g="0" b="0"/>
+                      </a:solidFill>
+                      <a:prstDash val="solid"/>
+                      <a:round/>
+                      <a:headEnd type="none" w="med" len="med"/>
+                      <a:tailEnd type="none" w="med" len="med"/>
+                    </a:lnL>
+                    <a:lnR w="38100" cap="flat" cmpd="sng" algn="ctr">
+                      <a:solidFill>
+                        <a:scrgbClr r="0" g="0" b="0"/>
+                      </a:solidFill>
+                      <a:prstDash val="solid"/>
+                      <a:round/>
+                      <a:headEnd type="none" w="med" len="med"/>
+                      <a:tailEnd type="none" w="med" len="med"/>
+                    </a:lnR>
+                    <a:lnT w="38100" cap="flat" cmpd="sng" algn="ctr">
+                      <a:solidFill>
+                        <a:scrgbClr r="0" g="0" b="0"/>
+                      </a:solidFill>
+                      <a:prstDash val="solid"/>
+                      <a:round/>
+                      <a:headEnd type="none" w="med" len="med"/>
+                      <a:tailEnd type="none" w="med" len="med"/>
+                    </a:lnT>
+                    <a:lnB w="38100" cap="flat" cmpd="sng" algn="ctr">
+                      <a:solidFill>
+                        <a:scrgbClr r="0" g="0" b="0"/>
+                      </a:solidFill>
+                      <a:prstDash val="solid"/>
+                      <a:round/>
+                      <a:headEnd type="none" w="med" len="med"/>
+                      <a:tailEnd type="none" w="med" len="med"/>
+                    </a:lnB>
+                  </a:tcPr>
+                </a:tc>
+              </a:tr>
+            </a:tbl>
+          </a:graphicData>
+        </a:graphic>
+      </p:graphicFrame>
     </p:spTree>
   </p:cSld>
   <p:clrMapOvr>
